--- a/PPTs/Lecture 7-hash table exercises.pptx
+++ b/PPTs/Lecture 7-hash table exercises.pptx
@@ -5,7 +5,7 @@
     <p:sldMasterId id="2147483648" r:id="rId1"/>
   </p:sldMasterIdLst>
   <p:notesMasterIdLst>
-    <p:notesMasterId r:id="rId7"/>
+    <p:notesMasterId r:id="rId8"/>
   </p:notesMasterIdLst>
   <p:sldIdLst>
     <p:sldId id="256" r:id="rId2"/>
@@ -13,6 +13,7 @@
     <p:sldId id="279" r:id="rId4"/>
     <p:sldId id="280" r:id="rId5"/>
     <p:sldId id="281" r:id="rId6"/>
+    <p:sldId id="282" r:id="rId7"/>
   </p:sldIdLst>
   <p:sldSz cx="9144000" cy="6858000" type="screen4x3"/>
   <p:notesSz cx="6858000" cy="9144000"/>
@@ -4506,6 +4507,170 @@
     <p:extLst>
       <p:ext uri="{BB962C8B-B14F-4D97-AF65-F5344CB8AC3E}">
         <p14:creationId xmlns:p14="http://schemas.microsoft.com/office/powerpoint/2010/main" val="3137393706"/>
+      </p:ext>
+    </p:extLst>
+  </p:cSld>
+  <p:clrMapOvr>
+    <a:masterClrMapping/>
+  </p:clrMapOvr>
+</p:sld>
+</file>
+
+<file path=ppt/slides/slide6.xml><?xml version="1.0" encoding="utf-8"?>
+<p:sld xmlns:a="http://schemas.openxmlformats.org/drawingml/2006/main" xmlns:r="http://schemas.openxmlformats.org/officeDocument/2006/relationships" xmlns:p="http://schemas.openxmlformats.org/presentationml/2006/main">
+  <p:cSld>
+    <p:spTree>
+      <p:nvGrpSpPr>
+        <p:cNvPr id="1" name=""/>
+        <p:cNvGrpSpPr/>
+        <p:nvPr/>
+      </p:nvGrpSpPr>
+      <p:grpSpPr>
+        <a:xfrm>
+          <a:off x="0" y="0"/>
+          <a:ext cx="0" cy="0"/>
+          <a:chOff x="0" y="0"/>
+          <a:chExt cx="0" cy="0"/>
+        </a:xfrm>
+      </p:grpSpPr>
+      <p:sp>
+        <p:nvSpPr>
+          <p:cNvPr id="2" name="Title 1">
+            <a:extLst>
+              <a:ext uri="{FF2B5EF4-FFF2-40B4-BE49-F238E27FC236}">
+                <a16:creationId xmlns:a16="http://schemas.microsoft.com/office/drawing/2014/main" id="{51AE462C-29A7-DE16-AE24-BE0D627B4632}"/>
+              </a:ext>
+            </a:extLst>
+          </p:cNvPr>
+          <p:cNvSpPr>
+            <a:spLocks noGrp="1"/>
+          </p:cNvSpPr>
+          <p:nvPr>
+            <p:ph type="title"/>
+          </p:nvPr>
+        </p:nvSpPr>
+        <p:spPr/>
+        <p:txBody>
+          <a:bodyPr/>
+          <a:lstStyle/>
+          <a:p>
+            <a:r>
+              <a:rPr lang="en-GB" dirty="0"/>
+              <a:t>Hashing</a:t>
+            </a:r>
+            <a:endParaRPr lang="en-SE" dirty="0"/>
+          </a:p>
+        </p:txBody>
+      </p:sp>
+      <p:sp>
+        <p:nvSpPr>
+          <p:cNvPr id="3" name="Content Placeholder 2">
+            <a:extLst>
+              <a:ext uri="{FF2B5EF4-FFF2-40B4-BE49-F238E27FC236}">
+                <a16:creationId xmlns:a16="http://schemas.microsoft.com/office/drawing/2014/main" id="{ED8F0B79-E659-D7F5-1561-63A7F9153537}"/>
+              </a:ext>
+            </a:extLst>
+          </p:cNvPr>
+          <p:cNvSpPr>
+            <a:spLocks noGrp="1"/>
+          </p:cNvSpPr>
+          <p:nvPr>
+            <p:ph idx="1"/>
+          </p:nvPr>
+        </p:nvSpPr>
+        <p:spPr/>
+        <p:txBody>
+          <a:bodyPr/>
+          <a:lstStyle/>
+          <a:p>
+            <a:pPr algn="l"/>
+            <a:r>
+              <a:rPr lang="en-GB" dirty="0">
+                <a:solidFill>
+                  <a:srgbClr val="222222"/>
+                </a:solidFill>
+                <a:latin typeface="Times New Roman" panose="02020603050405020304" pitchFamily="18" charset="0"/>
+                <a:cs typeface="Times New Roman" panose="02020603050405020304" pitchFamily="18" charset="0"/>
+              </a:rPr>
+              <a:t>I</a:t>
+            </a:r>
+            <a:r>
+              <a:rPr lang="en-GB" b="0" i="0" dirty="0">
+                <a:solidFill>
+                  <a:srgbClr val="222222"/>
+                </a:solidFill>
+                <a:effectLst/>
+                <a:latin typeface="Times New Roman" panose="02020603050405020304" pitchFamily="18" charset="0"/>
+                <a:cs typeface="Times New Roman" panose="02020603050405020304" pitchFamily="18" charset="0"/>
+              </a:rPr>
+              <a:t>nsert keys into a hash table of size 5, using different collision resolution methods. </a:t>
+            </a:r>
+          </a:p>
+          <a:p>
+            <a:pPr algn="l"/>
+            <a:r>
+              <a:rPr lang="en-GB" b="1" i="0" dirty="0">
+                <a:solidFill>
+                  <a:srgbClr val="222222"/>
+                </a:solidFill>
+                <a:effectLst/>
+                <a:latin typeface="Times New Roman" panose="02020603050405020304" pitchFamily="18" charset="0"/>
+                <a:cs typeface="Times New Roman" panose="02020603050405020304" pitchFamily="18" charset="0"/>
+              </a:rPr>
+              <a:t>Hash function</a:t>
+            </a:r>
+            <a:r>
+              <a:rPr lang="en-GB" b="0" i="0" dirty="0">
+                <a:solidFill>
+                  <a:srgbClr val="222222"/>
+                </a:solidFill>
+                <a:effectLst/>
+                <a:latin typeface="Times New Roman" panose="02020603050405020304" pitchFamily="18" charset="0"/>
+                <a:cs typeface="Times New Roman" panose="02020603050405020304" pitchFamily="18" charset="0"/>
+              </a:rPr>
+              <a:t>: h(k)=k%5 (maps keys to indices 0–4)</a:t>
+            </a:r>
+          </a:p>
+          <a:p>
+            <a:pPr algn="l">
+              <a:buFont typeface="Arial" panose="020B0604020202020204" pitchFamily="34" charset="0"/>
+              <a:buChar char="•"/>
+            </a:pPr>
+            <a:r>
+              <a:rPr lang="en-GB" b="1" i="0" dirty="0">
+                <a:solidFill>
+                  <a:srgbClr val="222222"/>
+                </a:solidFill>
+                <a:effectLst/>
+                <a:latin typeface="Times New Roman" panose="02020603050405020304" pitchFamily="18" charset="0"/>
+                <a:cs typeface="Times New Roman" panose="02020603050405020304" pitchFamily="18" charset="0"/>
+              </a:rPr>
+              <a:t>Keys to insert</a:t>
+            </a:r>
+            <a:r>
+              <a:rPr lang="en-GB" b="0" i="0" dirty="0">
+                <a:solidFill>
+                  <a:srgbClr val="222222"/>
+                </a:solidFill>
+                <a:effectLst/>
+                <a:latin typeface="Times New Roman" panose="02020603050405020304" pitchFamily="18" charset="0"/>
+                <a:cs typeface="Times New Roman" panose="02020603050405020304" pitchFamily="18" charset="0"/>
+              </a:rPr>
+              <a:t>: 10, 22, 15, 33, 25</a:t>
+            </a:r>
+          </a:p>
+          <a:p>
+            <a:endParaRPr lang="en-SE" dirty="0">
+              <a:latin typeface="Times New Roman" panose="02020603050405020304" pitchFamily="18" charset="0"/>
+              <a:cs typeface="Times New Roman" panose="02020603050405020304" pitchFamily="18" charset="0"/>
+            </a:endParaRPr>
+          </a:p>
+        </p:txBody>
+      </p:sp>
+    </p:spTree>
+    <p:extLst>
+      <p:ext uri="{BB962C8B-B14F-4D97-AF65-F5344CB8AC3E}">
+        <p14:creationId xmlns:p14="http://schemas.microsoft.com/office/powerpoint/2010/main" val="388619187"/>
       </p:ext>
     </p:extLst>
   </p:cSld>

--- a/PPTs/Lecture 7-hash table exercises.pptx
+++ b/PPTs/Lecture 7-hash table exercises.pptx
@@ -13,7 +13,7 @@
     <p:sldId id="279" r:id="rId4"/>
     <p:sldId id="280" r:id="rId5"/>
     <p:sldId id="281" r:id="rId6"/>
-    <p:sldId id="282" r:id="rId7"/>
+    <p:sldId id="283" r:id="rId7"/>
   </p:sldIdLst>
   <p:sldSz cx="9144000" cy="6858000" type="screen4x3"/>
   <p:notesSz cx="6858000" cy="9144000"/>
@@ -213,7 +213,7 @@
           <a:p>
             <a:fld id="{1B0CF57B-C747-FC49-8C8F-81AE37C96CA4}" type="datetimeFigureOut">
               <a:rPr lang="en-US" smtClean="0"/>
-              <a:t>2/24/2025</a:t>
+              <a:t>2/26/2025</a:t>
             </a:fld>
             <a:endParaRPr lang="en-US"/>
           </a:p>
@@ -1051,7 +1051,7 @@
           <a:p>
             <a:fld id="{FB221443-D73C-634A-A910-7320408C156D}" type="datetimeFigureOut">
               <a:rPr lang="en-US" smtClean="0"/>
-              <a:t>2/24/2025</a:t>
+              <a:t>2/26/2025</a:t>
             </a:fld>
             <a:endParaRPr lang="en-US"/>
           </a:p>
@@ -1221,7 +1221,7 @@
           <a:p>
             <a:fld id="{FB221443-D73C-634A-A910-7320408C156D}" type="datetimeFigureOut">
               <a:rPr lang="en-US" smtClean="0"/>
-              <a:t>2/24/2025</a:t>
+              <a:t>2/26/2025</a:t>
             </a:fld>
             <a:endParaRPr lang="en-US"/>
           </a:p>
@@ -1401,7 +1401,7 @@
           <a:p>
             <a:fld id="{FB221443-D73C-634A-A910-7320408C156D}" type="datetimeFigureOut">
               <a:rPr lang="en-US" smtClean="0"/>
-              <a:t>2/24/2025</a:t>
+              <a:t>2/26/2025</a:t>
             </a:fld>
             <a:endParaRPr lang="en-US"/>
           </a:p>
@@ -1571,7 +1571,7 @@
           <a:p>
             <a:fld id="{FB221443-D73C-634A-A910-7320408C156D}" type="datetimeFigureOut">
               <a:rPr lang="en-US" smtClean="0"/>
-              <a:t>2/24/2025</a:t>
+              <a:t>2/26/2025</a:t>
             </a:fld>
             <a:endParaRPr lang="en-US"/>
           </a:p>
@@ -1817,7 +1817,7 @@
           <a:p>
             <a:fld id="{FB221443-D73C-634A-A910-7320408C156D}" type="datetimeFigureOut">
               <a:rPr lang="en-US" smtClean="0"/>
-              <a:t>2/24/2025</a:t>
+              <a:t>2/26/2025</a:t>
             </a:fld>
             <a:endParaRPr lang="en-US"/>
           </a:p>
@@ -2105,7 +2105,7 @@
           <a:p>
             <a:fld id="{FB221443-D73C-634A-A910-7320408C156D}" type="datetimeFigureOut">
               <a:rPr lang="en-US" smtClean="0"/>
-              <a:t>2/24/2025</a:t>
+              <a:t>2/26/2025</a:t>
             </a:fld>
             <a:endParaRPr lang="en-US"/>
           </a:p>
@@ -2527,7 +2527,7 @@
           <a:p>
             <a:fld id="{FB221443-D73C-634A-A910-7320408C156D}" type="datetimeFigureOut">
               <a:rPr lang="en-US" smtClean="0"/>
-              <a:t>2/24/2025</a:t>
+              <a:t>2/26/2025</a:t>
             </a:fld>
             <a:endParaRPr lang="en-US"/>
           </a:p>
@@ -2645,7 +2645,7 @@
           <a:p>
             <a:fld id="{FB221443-D73C-634A-A910-7320408C156D}" type="datetimeFigureOut">
               <a:rPr lang="en-US" smtClean="0"/>
-              <a:t>2/24/2025</a:t>
+              <a:t>2/26/2025</a:t>
             </a:fld>
             <a:endParaRPr lang="en-US"/>
           </a:p>
@@ -2740,7 +2740,7 @@
           <a:p>
             <a:fld id="{FB221443-D73C-634A-A910-7320408C156D}" type="datetimeFigureOut">
               <a:rPr lang="en-US" smtClean="0"/>
-              <a:t>2/24/2025</a:t>
+              <a:t>2/26/2025</a:t>
             </a:fld>
             <a:endParaRPr lang="en-US"/>
           </a:p>
@@ -3017,7 +3017,7 @@
           <a:p>
             <a:fld id="{FB221443-D73C-634A-A910-7320408C156D}" type="datetimeFigureOut">
               <a:rPr lang="en-US" smtClean="0"/>
-              <a:t>2/24/2025</a:t>
+              <a:t>2/26/2025</a:t>
             </a:fld>
             <a:endParaRPr lang="en-US"/>
           </a:p>
@@ -3270,7 +3270,7 @@
           <a:p>
             <a:fld id="{FB221443-D73C-634A-A910-7320408C156D}" type="datetimeFigureOut">
               <a:rPr lang="en-US" smtClean="0"/>
-              <a:t>2/24/2025</a:t>
+              <a:t>2/26/2025</a:t>
             </a:fld>
             <a:endParaRPr lang="en-US"/>
           </a:p>
@@ -3483,7 +3483,7 @@
           <a:p>
             <a:fld id="{FB221443-D73C-634A-A910-7320408C156D}" type="datetimeFigureOut">
               <a:rPr lang="en-US" smtClean="0"/>
-              <a:t>2/24/2025</a:t>
+              <a:t>2/26/2025</a:t>
             </a:fld>
             <a:endParaRPr lang="en-US"/>
           </a:p>
@@ -4580,7 +4580,9 @@
         </p:nvSpPr>
         <p:spPr/>
         <p:txBody>
-          <a:bodyPr/>
+          <a:bodyPr>
+            <a:normAutofit lnSpcReduction="10000"/>
+          </a:bodyPr>
           <a:lstStyle/>
           <a:p>
             <a:pPr algn="l"/>
@@ -4660,6 +4662,96 @@
             </a:r>
           </a:p>
           <a:p>
+            <a:r>
+              <a:rPr lang="en-GB" dirty="0">
+                <a:latin typeface="Times New Roman" panose="02020603050405020304" pitchFamily="18" charset="0"/>
+                <a:cs typeface="Times New Roman" panose="02020603050405020304" pitchFamily="18" charset="0"/>
+              </a:rPr>
+              <a:t>1. Separate Chaining</a:t>
+            </a:r>
+          </a:p>
+          <a:p>
+            <a:r>
+              <a:rPr lang="en-GB" dirty="0">
+                <a:latin typeface="Times New Roman" panose="02020603050405020304" pitchFamily="18" charset="0"/>
+                <a:cs typeface="Times New Roman" panose="02020603050405020304" pitchFamily="18" charset="0"/>
+              </a:rPr>
+              <a:t>2. Linear Probing</a:t>
+            </a:r>
+          </a:p>
+          <a:p>
+            <a:r>
+              <a:rPr lang="en-GB" dirty="0">
+                <a:latin typeface="Times New Roman" panose="02020603050405020304" pitchFamily="18" charset="0"/>
+                <a:cs typeface="Times New Roman" panose="02020603050405020304" pitchFamily="18" charset="0"/>
+              </a:rPr>
+              <a:t>3. Quadratic Probing</a:t>
+            </a:r>
+          </a:p>
+          <a:p>
+            <a:r>
+              <a:rPr lang="en-GB" dirty="0">
+                <a:latin typeface="Times New Roman" panose="02020603050405020304" pitchFamily="18" charset="0"/>
+                <a:cs typeface="Times New Roman" panose="02020603050405020304" pitchFamily="18" charset="0"/>
+              </a:rPr>
+              <a:t>4. Double Hashing</a:t>
+            </a:r>
+          </a:p>
+          <a:p>
+            <a:pPr lvl="1"/>
+            <a:r>
+              <a:rPr lang="en-GB" dirty="0">
+                <a:latin typeface="Times New Roman" panose="02020603050405020304" pitchFamily="18" charset="0"/>
+                <a:cs typeface="Times New Roman" panose="02020603050405020304" pitchFamily="18" charset="0"/>
+              </a:rPr>
+              <a:t>Two hash functions:</a:t>
+            </a:r>
+          </a:p>
+          <a:p>
+            <a:pPr lvl="1"/>
+            <a:r>
+              <a:rPr lang="en-GB" dirty="0">
+                <a:latin typeface="Times New Roman" panose="02020603050405020304" pitchFamily="18" charset="0"/>
+                <a:cs typeface="Times New Roman" panose="02020603050405020304" pitchFamily="18" charset="0"/>
+              </a:rPr>
+              <a:t>h1(k)=k%5</a:t>
+            </a:r>
+          </a:p>
+          <a:p>
+            <a:pPr lvl="1"/>
+            <a:r>
+              <a:rPr lang="en-GB" dirty="0">
+                <a:latin typeface="Times New Roman" panose="02020603050405020304" pitchFamily="18" charset="0"/>
+                <a:cs typeface="Times New Roman" panose="02020603050405020304" pitchFamily="18" charset="0"/>
+              </a:rPr>
+              <a:t>h2(k)=1+(k%3) (step size)</a:t>
+            </a:r>
+          </a:p>
+          <a:p>
+            <a:pPr lvl="1"/>
+            <a:r>
+              <a:rPr lang="en-GB" dirty="0">
+                <a:latin typeface="Times New Roman" panose="02020603050405020304" pitchFamily="18" charset="0"/>
+                <a:cs typeface="Times New Roman" panose="02020603050405020304" pitchFamily="18" charset="0"/>
+              </a:rPr>
+              <a:t>Probe sequence: Probe(</a:t>
+            </a:r>
+            <a:r>
+              <a:rPr lang="en-GB" dirty="0" err="1">
+                <a:latin typeface="Times New Roman" panose="02020603050405020304" pitchFamily="18" charset="0"/>
+                <a:cs typeface="Times New Roman" panose="02020603050405020304" pitchFamily="18" charset="0"/>
+              </a:rPr>
+              <a:t>k,i</a:t>
+            </a:r>
+            <a:r>
+              <a:rPr lang="en-GB" dirty="0">
+                <a:latin typeface="Times New Roman" panose="02020603050405020304" pitchFamily="18" charset="0"/>
+                <a:cs typeface="Times New Roman" panose="02020603050405020304" pitchFamily="18" charset="0"/>
+              </a:rPr>
+              <a:t>)=(h1(k)+i⋅h2(k))%5</a:t>
+            </a:r>
+          </a:p>
+          <a:p>
             <a:endParaRPr lang="en-SE" dirty="0">
               <a:latin typeface="Times New Roman" panose="02020603050405020304" pitchFamily="18" charset="0"/>
               <a:cs typeface="Times New Roman" panose="02020603050405020304" pitchFamily="18" charset="0"/>
@@ -4670,7 +4762,7 @@
     </p:spTree>
     <p:extLst>
       <p:ext uri="{BB962C8B-B14F-4D97-AF65-F5344CB8AC3E}">
-        <p14:creationId xmlns:p14="http://schemas.microsoft.com/office/powerpoint/2010/main" val="388619187"/>
+        <p14:creationId xmlns:p14="http://schemas.microsoft.com/office/powerpoint/2010/main" val="3292806169"/>
       </p:ext>
     </p:extLst>
   </p:cSld>

--- a/PPTs/Lecture 7-hash table exercises.pptx
+++ b/PPTs/Lecture 7-hash table exercises.pptx
@@ -5,15 +5,14 @@
     <p:sldMasterId id="2147483648" r:id="rId1"/>
   </p:sldMasterIdLst>
   <p:notesMasterIdLst>
-    <p:notesMasterId r:id="rId8"/>
+    <p:notesMasterId r:id="rId7"/>
   </p:notesMasterIdLst>
   <p:sldIdLst>
     <p:sldId id="256" r:id="rId2"/>
-    <p:sldId id="278" r:id="rId3"/>
-    <p:sldId id="279" r:id="rId4"/>
-    <p:sldId id="280" r:id="rId5"/>
-    <p:sldId id="281" r:id="rId6"/>
-    <p:sldId id="283" r:id="rId7"/>
+    <p:sldId id="279" r:id="rId3"/>
+    <p:sldId id="280" r:id="rId4"/>
+    <p:sldId id="281" r:id="rId5"/>
+    <p:sldId id="282" r:id="rId6"/>
   </p:sldIdLst>
   <p:sldSz cx="9144000" cy="6858000" type="screen4x3"/>
   <p:notesSz cx="6858000" cy="9144000"/>
@@ -213,7 +212,7 @@
           <a:p>
             <a:fld id="{1B0CF57B-C747-FC49-8C8F-81AE37C96CA4}" type="datetimeFigureOut">
               <a:rPr lang="en-US" smtClean="0"/>
-              <a:t>2/26/2025</a:t>
+              <a:t>3/3/2025</a:t>
             </a:fld>
             <a:endParaRPr lang="en-US"/>
           </a:p>
@@ -524,65 +523,6 @@
           <a:bodyPr/>
           <a:lstStyle/>
           <a:p>
-            <a:pPr algn="l"/>
-            <a:r>
-              <a:rPr lang="en-GB" b="0" i="0" dirty="0">
-                <a:effectLst/>
-                <a:latin typeface="__fkGroteskNeue_598ab8"/>
-              </a:rPr>
-              <a:t>Since there are no collisions with these initial indices, each element is placed directly into its calculated </a:t>
-            </a:r>
-            <a:r>
-              <a:rPr lang="en-GB" b="0" i="0" dirty="0" err="1">
-                <a:effectLst/>
-                <a:latin typeface="__fkGroteskNeue_598ab8"/>
-              </a:rPr>
-              <a:t>position.Thus</a:t>
-            </a:r>
-            <a:r>
-              <a:rPr lang="en-GB" b="0" i="0" dirty="0">
-                <a:effectLst/>
-                <a:latin typeface="__fkGroteskNeue_598ab8"/>
-              </a:rPr>
-              <a:t>, the final contents of the hash table </a:t>
-            </a:r>
-            <a:r>
-              <a:rPr lang="en-GB" b="0" i="0" dirty="0" err="1">
-                <a:effectLst/>
-                <a:latin typeface="__fkGroteskNeue_598ab8"/>
-              </a:rPr>
-              <a:t>are:</a:t>
-            </a:r>
-            <a:r>
-              <a:rPr lang="en-GB" b="0" i="0" dirty="0" err="1">
-                <a:effectLst/>
-                <a:latin typeface="var(--font-berkeley-mono)"/>
-              </a:rPr>
-              <a:t>text</a:t>
-            </a:r>
-            <a:endParaRPr lang="en-GB" b="0" i="0" dirty="0">
-              <a:effectLst/>
-              <a:latin typeface="var(--font-berkeley-mono)"/>
-            </a:endParaRPr>
-          </a:p>
-          <a:p>
-            <a:pPr algn="l"/>
-            <a:r>
-              <a:rPr lang="en-GB" b="0" i="0" dirty="0">
-                <a:solidFill>
-                  <a:srgbClr val="4D4D4C"/>
-                </a:solidFill>
-                <a:effectLst/>
-                <a:latin typeface="inherit"/>
-              </a:rPr>
-              <a:t>[3, 10, 1, 8, '__', '__', '__']</a:t>
-            </a:r>
-            <a:endParaRPr lang="en-GB" b="0" i="0" dirty="0">
-              <a:effectLst/>
-              <a:latin typeface="var(--font-berkeley-mono)"/>
-            </a:endParaRPr>
-          </a:p>
-          <a:p>
             <a:endParaRPr lang="en-SE" dirty="0"/>
           </a:p>
         </p:txBody>
@@ -605,247 +545,6 @@
             <a:fld id="{13F62E29-99FC-EB40-923F-D38E4FE7BE7E}" type="slidenum">
               <a:rPr lang="en-US" smtClean="0"/>
               <a:t>2</a:t>
-            </a:fld>
-            <a:endParaRPr lang="en-US"/>
-          </a:p>
-        </p:txBody>
-      </p:sp>
-    </p:spTree>
-    <p:extLst>
-      <p:ext uri="{BB962C8B-B14F-4D97-AF65-F5344CB8AC3E}">
-        <p14:creationId xmlns:p14="http://schemas.microsoft.com/office/powerpoint/2010/main" val="3446136522"/>
-      </p:ext>
-    </p:extLst>
-  </p:cSld>
-  <p:clrMapOvr>
-    <a:masterClrMapping/>
-  </p:clrMapOvr>
-</p:notes>
-</file>
-
-<file path=ppt/notesSlides/notesSlide2.xml><?xml version="1.0" encoding="utf-8"?>
-<p:notes xmlns:a="http://schemas.openxmlformats.org/drawingml/2006/main" xmlns:r="http://schemas.openxmlformats.org/officeDocument/2006/relationships" xmlns:p="http://schemas.openxmlformats.org/presentationml/2006/main">
-  <p:cSld>
-    <p:spTree>
-      <p:nvGrpSpPr>
-        <p:cNvPr id="1" name=""/>
-        <p:cNvGrpSpPr/>
-        <p:nvPr/>
-      </p:nvGrpSpPr>
-      <p:grpSpPr>
-        <a:xfrm>
-          <a:off x="0" y="0"/>
-          <a:ext cx="0" cy="0"/>
-          <a:chOff x="0" y="0"/>
-          <a:chExt cx="0" cy="0"/>
-        </a:xfrm>
-      </p:grpSpPr>
-      <p:sp>
-        <p:nvSpPr>
-          <p:cNvPr id="2" name="Slide Image Placeholder 1"/>
-          <p:cNvSpPr>
-            <a:spLocks noGrp="1" noRot="1" noChangeAspect="1"/>
-          </p:cNvSpPr>
-          <p:nvPr>
-            <p:ph type="sldImg"/>
-          </p:nvPr>
-        </p:nvSpPr>
-        <p:spPr/>
-      </p:sp>
-      <p:sp>
-        <p:nvSpPr>
-          <p:cNvPr id="3" name="Notes Placeholder 2"/>
-          <p:cNvSpPr>
-            <a:spLocks noGrp="1"/>
-          </p:cNvSpPr>
-          <p:nvPr>
-            <p:ph type="body" idx="1"/>
-          </p:nvPr>
-        </p:nvSpPr>
-        <p:spPr/>
-        <p:txBody>
-          <a:bodyPr/>
-          <a:lstStyle/>
-          <a:p>
-            <a:r>
-              <a:rPr lang="en-GB" dirty="0"/>
-              <a:t>To determine the resultant hash table after inserting the keys 12, 18, 13, 2, 3, 23, 5, and 15 into an initially empty hash table of length 10 using open addressing with linear probing and the hash function $$ h(k) = k \mod 10 $$, we can follow these steps:</a:t>
-            </a:r>
-          </a:p>
-          <a:p>
-            <a:endParaRPr lang="en-GB" dirty="0"/>
-          </a:p>
-          <a:p>
-            <a:r>
-              <a:rPr lang="en-GB" dirty="0"/>
-              <a:t>1. **Hash Function Calculation**:</a:t>
-            </a:r>
-          </a:p>
-          <a:p>
-            <a:r>
-              <a:rPr lang="en-GB" dirty="0"/>
-              <a:t>   - For key 12: $$ 12 \mod 10 = 2 $$</a:t>
-            </a:r>
-          </a:p>
-          <a:p>
-            <a:r>
-              <a:rPr lang="en-GB" dirty="0"/>
-              <a:t>   - For key 18: $$ 18 \mod 10 = 8 $$</a:t>
-            </a:r>
-          </a:p>
-          <a:p>
-            <a:r>
-              <a:rPr lang="en-GB" dirty="0"/>
-              <a:t>   - For key 13: $$ 13 \mod 10 = 3 $$</a:t>
-            </a:r>
-          </a:p>
-          <a:p>
-            <a:r>
-              <a:rPr lang="en-GB" dirty="0"/>
-              <a:t>   - For key 2: $$ 2 \mod 10 = 2 $$</a:t>
-            </a:r>
-          </a:p>
-          <a:p>
-            <a:r>
-              <a:rPr lang="en-GB" dirty="0"/>
-              <a:t>   - For key 3: $$ 3 \mod 10 = 3 $$</a:t>
-            </a:r>
-          </a:p>
-          <a:p>
-            <a:r>
-              <a:rPr lang="en-GB" dirty="0"/>
-              <a:t>   - For key 23: $$ 23 \mod 10 = 3 $$</a:t>
-            </a:r>
-          </a:p>
-          <a:p>
-            <a:r>
-              <a:rPr lang="en-GB" dirty="0"/>
-              <a:t>   - For key 5: $$ 5 \mod 10 = 5 $$</a:t>
-            </a:r>
-          </a:p>
-          <a:p>
-            <a:r>
-              <a:rPr lang="en-GB" dirty="0"/>
-              <a:t>   - For key 15: $$ 15 \mod 10 = 5 $$</a:t>
-            </a:r>
-          </a:p>
-          <a:p>
-            <a:endParaRPr lang="en-GB" dirty="0"/>
-          </a:p>
-          <a:p>
-            <a:r>
-              <a:rPr lang="en-GB" dirty="0"/>
-              <a:t>2. **Insert Keys Using Linear Probing**:</a:t>
-            </a:r>
-          </a:p>
-          <a:p>
-            <a:r>
-              <a:rPr lang="en-GB" dirty="0"/>
-              <a:t>   - Insert `12` at index `2`.</a:t>
-            </a:r>
-          </a:p>
-          <a:p>
-            <a:r>
-              <a:rPr lang="en-GB" dirty="0"/>
-              <a:t>   - Insert `18` at index `8`.</a:t>
-            </a:r>
-          </a:p>
-          <a:p>
-            <a:r>
-              <a:rPr lang="en-GB" dirty="0"/>
-              <a:t>   - Insert `13` at index `3`.</a:t>
-            </a:r>
-          </a:p>
-          <a:p>
-            <a:r>
-              <a:rPr lang="en-GB" dirty="0"/>
-              <a:t>   - Attempt to insert `2` at index `2`, but it's occupied. Use linear probing to find the next available slot. It goes to index `4`.</a:t>
-            </a:r>
-          </a:p>
-          <a:p>
-            <a:r>
-              <a:rPr lang="en-GB" dirty="0"/>
-              <a:t>   - Attempt to insert `3` at index `3`, but it's occupied. Use linear probing to find the next available slot. It goes to index `5`.</a:t>
-            </a:r>
-          </a:p>
-          <a:p>
-            <a:r>
-              <a:rPr lang="en-GB" dirty="0"/>
-              <a:t>   - Attempt to insert `23` at index `3`, but it's occupied. Use linear probing to find the next available slot. It goes to index `6`.</a:t>
-            </a:r>
-          </a:p>
-          <a:p>
-            <a:r>
-              <a:rPr lang="en-GB" dirty="0"/>
-              <a:t>   - Insert `5` at index `5`, but it's occupied. Use linear probing to find the next available slot. It goes to index `7`.</a:t>
-            </a:r>
-          </a:p>
-          <a:p>
-            <a:r>
-              <a:rPr lang="en-GB" dirty="0"/>
-              <a:t>   - Attempt to insert `15` at index `5`, but it's occupied. Use linear probing to find the next available slot. It goes to index `9`.</a:t>
-            </a:r>
-          </a:p>
-          <a:p>
-            <a:endParaRPr lang="en-GB" dirty="0"/>
-          </a:p>
-          <a:p>
-            <a:r>
-              <a:rPr lang="en-GB" dirty="0"/>
-              <a:t>The final hash table is:</a:t>
-            </a:r>
-          </a:p>
-          <a:p>
-            <a:endParaRPr lang="en-GB" dirty="0"/>
-          </a:p>
-          <a:p>
-            <a:r>
-              <a:rPr lang="en-GB" dirty="0"/>
-              <a:t>```</a:t>
-            </a:r>
-          </a:p>
-          <a:p>
-            <a:r>
-              <a:rPr lang="en-GB" dirty="0"/>
-              <a:t>[None, None, 12, 13, 2, 3, 23, 5, 18, 15]</a:t>
-            </a:r>
-          </a:p>
-          <a:p>
-            <a:r>
-              <a:rPr lang="en-GB" dirty="0"/>
-              <a:t>```</a:t>
-            </a:r>
-          </a:p>
-          <a:p>
-            <a:endParaRPr lang="en-GB" dirty="0"/>
-          </a:p>
-          <a:p>
-            <a:r>
-              <a:rPr lang="en-GB" dirty="0"/>
-              <a:t>This table reflects the use of linear probing to resolve collisions by finding the next available slot in sequence.</a:t>
-            </a:r>
-            <a:endParaRPr lang="en-SE" dirty="0"/>
-          </a:p>
-        </p:txBody>
-      </p:sp>
-      <p:sp>
-        <p:nvSpPr>
-          <p:cNvPr id="4" name="Slide Number Placeholder 3"/>
-          <p:cNvSpPr>
-            <a:spLocks noGrp="1"/>
-          </p:cNvSpPr>
-          <p:nvPr>
-            <p:ph type="sldNum" sz="quarter" idx="5"/>
-          </p:nvPr>
-        </p:nvSpPr>
-        <p:spPr/>
-        <p:txBody>
-          <a:bodyPr/>
-          <a:lstStyle/>
-          <a:p>
-            <a:fld id="{13F62E29-99FC-EB40-923F-D38E4FE7BE7E}" type="slidenum">
-              <a:rPr lang="en-US" smtClean="0"/>
-              <a:t>3</a:t>
             </a:fld>
             <a:endParaRPr lang="en-US"/>
           </a:p>
@@ -1051,7 +750,7 @@
           <a:p>
             <a:fld id="{FB221443-D73C-634A-A910-7320408C156D}" type="datetimeFigureOut">
               <a:rPr lang="en-US" smtClean="0"/>
-              <a:t>2/26/2025</a:t>
+              <a:t>3/3/2025</a:t>
             </a:fld>
             <a:endParaRPr lang="en-US"/>
           </a:p>
@@ -1086,7 +785,15 @@
             <p:ph type="sldNum" sz="quarter" idx="12"/>
           </p:nvPr>
         </p:nvSpPr>
-        <p:spPr/>
+        <p:spPr>
+          <a:xfrm>
+            <a:off x="6553200" y="6356350"/>
+            <a:ext cx="2133600" cy="365125"/>
+          </a:xfrm>
+          <a:prstGeom prst="rect">
+            <a:avLst/>
+          </a:prstGeom>
+        </p:spPr>
         <p:txBody>
           <a:bodyPr/>
           <a:lstStyle/>
@@ -1221,7 +928,7 @@
           <a:p>
             <a:fld id="{FB221443-D73C-634A-A910-7320408C156D}" type="datetimeFigureOut">
               <a:rPr lang="en-US" smtClean="0"/>
-              <a:t>2/26/2025</a:t>
+              <a:t>3/3/2025</a:t>
             </a:fld>
             <a:endParaRPr lang="en-US"/>
           </a:p>
@@ -1256,7 +963,15 @@
             <p:ph type="sldNum" sz="quarter" idx="12"/>
           </p:nvPr>
         </p:nvSpPr>
-        <p:spPr/>
+        <p:spPr>
+          <a:xfrm>
+            <a:off x="6553200" y="6356350"/>
+            <a:ext cx="2133600" cy="365125"/>
+          </a:xfrm>
+          <a:prstGeom prst="rect">
+            <a:avLst/>
+          </a:prstGeom>
+        </p:spPr>
         <p:txBody>
           <a:bodyPr/>
           <a:lstStyle/>
@@ -1401,7 +1116,7 @@
           <a:p>
             <a:fld id="{FB221443-D73C-634A-A910-7320408C156D}" type="datetimeFigureOut">
               <a:rPr lang="en-US" smtClean="0"/>
-              <a:t>2/26/2025</a:t>
+              <a:t>3/3/2025</a:t>
             </a:fld>
             <a:endParaRPr lang="en-US"/>
           </a:p>
@@ -1436,7 +1151,15 @@
             <p:ph type="sldNum" sz="quarter" idx="12"/>
           </p:nvPr>
         </p:nvSpPr>
-        <p:spPr/>
+        <p:spPr>
+          <a:xfrm>
+            <a:off x="6553200" y="6356350"/>
+            <a:ext cx="2133600" cy="365125"/>
+          </a:xfrm>
+          <a:prstGeom prst="rect">
+            <a:avLst/>
+          </a:prstGeom>
+        </p:spPr>
         <p:txBody>
           <a:bodyPr/>
           <a:lstStyle/>
@@ -1571,7 +1294,7 @@
           <a:p>
             <a:fld id="{FB221443-D73C-634A-A910-7320408C156D}" type="datetimeFigureOut">
               <a:rPr lang="en-US" smtClean="0"/>
-              <a:t>2/26/2025</a:t>
+              <a:t>3/3/2025</a:t>
             </a:fld>
             <a:endParaRPr lang="en-US"/>
           </a:p>
@@ -1598,21 +1321,46 @@
       </p:sp>
       <p:sp>
         <p:nvSpPr>
-          <p:cNvPr id="6" name="Slide Number Placeholder 5"/>
-          <p:cNvSpPr>
-            <a:spLocks noGrp="1"/>
-          </p:cNvSpPr>
-          <p:nvPr>
-            <p:ph type="sldNum" sz="quarter" idx="12"/>
-          </p:nvPr>
-        </p:nvSpPr>
-        <p:spPr/>
-        <p:txBody>
-          <a:bodyPr/>
-          <a:lstStyle/>
+          <p:cNvPr id="7" name="Slide Number Placeholder 5">
+            <a:extLst>
+              <a:ext uri="{FF2B5EF4-FFF2-40B4-BE49-F238E27FC236}">
+                <a16:creationId xmlns:a16="http://schemas.microsoft.com/office/drawing/2014/main" id="{2BFB1757-6FCD-F735-3C57-9C0A93ECD471}"/>
+              </a:ext>
+            </a:extLst>
+          </p:cNvPr>
+          <p:cNvSpPr>
+            <a:spLocks noGrp="1"/>
+          </p:cNvSpPr>
+          <p:nvPr>
+            <p:ph type="sldNum" sz="quarter" idx="4"/>
+          </p:nvPr>
+        </p:nvSpPr>
+        <p:spPr>
+          <a:xfrm>
+            <a:off x="8571344" y="6492875"/>
+            <a:ext cx="572655" cy="365125"/>
+          </a:xfrm>
+          <a:prstGeom prst="rect">
+            <a:avLst/>
+          </a:prstGeom>
+        </p:spPr>
+        <p:txBody>
+          <a:bodyPr vert="horz" lIns="91440" tIns="45720" rIns="91440" bIns="45720" rtlCol="0" anchor="ctr"/>
+          <a:lstStyle>
+            <a:lvl1pPr algn="r">
+              <a:defRPr sz="1600">
+                <a:solidFill>
+                  <a:schemeClr val="tx1">
+                    <a:tint val="75000"/>
+                  </a:schemeClr>
+                </a:solidFill>
+              </a:defRPr>
+            </a:lvl1pPr>
+          </a:lstStyle>
           <a:p>
             <a:fld id="{325BE2B7-23DB-644D-89A2-CA3C2E8FEF83}" type="slidenum">
               <a:rPr lang="en-US" smtClean="0"/>
+              <a:pPr/>
               <a:t>‹#›</a:t>
             </a:fld>
             <a:endParaRPr lang="en-US"/>
@@ -1817,7 +1565,7 @@
           <a:p>
             <a:fld id="{FB221443-D73C-634A-A910-7320408C156D}" type="datetimeFigureOut">
               <a:rPr lang="en-US" smtClean="0"/>
-              <a:t>2/26/2025</a:t>
+              <a:t>3/3/2025</a:t>
             </a:fld>
             <a:endParaRPr lang="en-US"/>
           </a:p>
@@ -1852,7 +1600,15 @@
             <p:ph type="sldNum" sz="quarter" idx="12"/>
           </p:nvPr>
         </p:nvSpPr>
-        <p:spPr/>
+        <p:spPr>
+          <a:xfrm>
+            <a:off x="6553200" y="6356350"/>
+            <a:ext cx="2133600" cy="365125"/>
+          </a:xfrm>
+          <a:prstGeom prst="rect">
+            <a:avLst/>
+          </a:prstGeom>
+        </p:spPr>
         <p:txBody>
           <a:bodyPr/>
           <a:lstStyle/>
@@ -2105,7 +1861,7 @@
           <a:p>
             <a:fld id="{FB221443-D73C-634A-A910-7320408C156D}" type="datetimeFigureOut">
               <a:rPr lang="en-US" smtClean="0"/>
-              <a:t>2/26/2025</a:t>
+              <a:t>3/3/2025</a:t>
             </a:fld>
             <a:endParaRPr lang="en-US"/>
           </a:p>
@@ -2140,7 +1896,15 @@
             <p:ph type="sldNum" sz="quarter" idx="12"/>
           </p:nvPr>
         </p:nvSpPr>
-        <p:spPr/>
+        <p:spPr>
+          <a:xfrm>
+            <a:off x="6553200" y="6356350"/>
+            <a:ext cx="2133600" cy="365125"/>
+          </a:xfrm>
+          <a:prstGeom prst="rect">
+            <a:avLst/>
+          </a:prstGeom>
+        </p:spPr>
         <p:txBody>
           <a:bodyPr/>
           <a:lstStyle/>
@@ -2527,7 +2291,7 @@
           <a:p>
             <a:fld id="{FB221443-D73C-634A-A910-7320408C156D}" type="datetimeFigureOut">
               <a:rPr lang="en-US" smtClean="0"/>
-              <a:t>2/26/2025</a:t>
+              <a:t>3/3/2025</a:t>
             </a:fld>
             <a:endParaRPr lang="en-US"/>
           </a:p>
@@ -2562,7 +2326,15 @@
             <p:ph type="sldNum" sz="quarter" idx="12"/>
           </p:nvPr>
         </p:nvSpPr>
-        <p:spPr/>
+        <p:spPr>
+          <a:xfrm>
+            <a:off x="6553200" y="6356350"/>
+            <a:ext cx="2133600" cy="365125"/>
+          </a:xfrm>
+          <a:prstGeom prst="rect">
+            <a:avLst/>
+          </a:prstGeom>
+        </p:spPr>
         <p:txBody>
           <a:bodyPr/>
           <a:lstStyle/>
@@ -2645,7 +2417,7 @@
           <a:p>
             <a:fld id="{FB221443-D73C-634A-A910-7320408C156D}" type="datetimeFigureOut">
               <a:rPr lang="en-US" smtClean="0"/>
-              <a:t>2/26/2025</a:t>
+              <a:t>3/3/2025</a:t>
             </a:fld>
             <a:endParaRPr lang="en-US"/>
           </a:p>
@@ -2680,7 +2452,15 @@
             <p:ph type="sldNum" sz="quarter" idx="12"/>
           </p:nvPr>
         </p:nvSpPr>
-        <p:spPr/>
+        <p:spPr>
+          <a:xfrm>
+            <a:off x="6553200" y="6356350"/>
+            <a:ext cx="2133600" cy="365125"/>
+          </a:xfrm>
+          <a:prstGeom prst="rect">
+            <a:avLst/>
+          </a:prstGeom>
+        </p:spPr>
         <p:txBody>
           <a:bodyPr/>
           <a:lstStyle/>
@@ -2740,7 +2520,7 @@
           <a:p>
             <a:fld id="{FB221443-D73C-634A-A910-7320408C156D}" type="datetimeFigureOut">
               <a:rPr lang="en-US" smtClean="0"/>
-              <a:t>2/26/2025</a:t>
+              <a:t>3/3/2025</a:t>
             </a:fld>
             <a:endParaRPr lang="en-US"/>
           </a:p>
@@ -2775,7 +2555,15 @@
             <p:ph type="sldNum" sz="quarter" idx="12"/>
           </p:nvPr>
         </p:nvSpPr>
-        <p:spPr/>
+        <p:spPr>
+          <a:xfrm>
+            <a:off x="6553200" y="6356350"/>
+            <a:ext cx="2133600" cy="365125"/>
+          </a:xfrm>
+          <a:prstGeom prst="rect">
+            <a:avLst/>
+          </a:prstGeom>
+        </p:spPr>
         <p:txBody>
           <a:bodyPr/>
           <a:lstStyle/>
@@ -3017,7 +2805,7 @@
           <a:p>
             <a:fld id="{FB221443-D73C-634A-A910-7320408C156D}" type="datetimeFigureOut">
               <a:rPr lang="en-US" smtClean="0"/>
-              <a:t>2/26/2025</a:t>
+              <a:t>3/3/2025</a:t>
             </a:fld>
             <a:endParaRPr lang="en-US"/>
           </a:p>
@@ -3052,7 +2840,15 @@
             <p:ph type="sldNum" sz="quarter" idx="12"/>
           </p:nvPr>
         </p:nvSpPr>
-        <p:spPr/>
+        <p:spPr>
+          <a:xfrm>
+            <a:off x="6553200" y="6356350"/>
+            <a:ext cx="2133600" cy="365125"/>
+          </a:xfrm>
+          <a:prstGeom prst="rect">
+            <a:avLst/>
+          </a:prstGeom>
+        </p:spPr>
         <p:txBody>
           <a:bodyPr/>
           <a:lstStyle/>
@@ -3270,7 +3066,7 @@
           <a:p>
             <a:fld id="{FB221443-D73C-634A-A910-7320408C156D}" type="datetimeFigureOut">
               <a:rPr lang="en-US" smtClean="0"/>
-              <a:t>2/26/2025</a:t>
+              <a:t>3/3/2025</a:t>
             </a:fld>
             <a:endParaRPr lang="en-US"/>
           </a:p>
@@ -3305,7 +3101,15 @@
             <p:ph type="sldNum" sz="quarter" idx="12"/>
           </p:nvPr>
         </p:nvSpPr>
-        <p:spPr/>
+        <p:spPr>
+          <a:xfrm>
+            <a:off x="6553200" y="6356350"/>
+            <a:ext cx="2133600" cy="365125"/>
+          </a:xfrm>
+          <a:prstGeom prst="rect">
+            <a:avLst/>
+          </a:prstGeom>
+        </p:spPr>
         <p:txBody>
           <a:bodyPr/>
           <a:lstStyle/>
@@ -3483,7 +3287,7 @@
           <a:p>
             <a:fld id="{FB221443-D73C-634A-A910-7320408C156D}" type="datetimeFigureOut">
               <a:rPr lang="en-US" smtClean="0"/>
-              <a:t>2/26/2025</a:t>
+              <a:t>3/3/2025</a:t>
             </a:fld>
             <a:endParaRPr lang="en-US"/>
           </a:p>
@@ -3528,7 +3332,13 @@
       </p:sp>
       <p:sp>
         <p:nvSpPr>
-          <p:cNvPr id="6" name="Slide Number Placeholder 5"/>
+          <p:cNvPr id="7" name="Slide Number Placeholder 5">
+            <a:extLst>
+              <a:ext uri="{FF2B5EF4-FFF2-40B4-BE49-F238E27FC236}">
+                <a16:creationId xmlns:a16="http://schemas.microsoft.com/office/drawing/2014/main" id="{157561F5-3405-823D-C70E-419E1520FF9B}"/>
+              </a:ext>
+            </a:extLst>
+          </p:cNvPr>
           <p:cNvSpPr>
             <a:spLocks noGrp="1"/>
           </p:cNvSpPr>
@@ -3538,8 +3348,8 @@
         </p:nvSpPr>
         <p:spPr>
           <a:xfrm>
-            <a:off x="6553200" y="6356350"/>
-            <a:ext cx="2133600" cy="365125"/>
+            <a:off x="8571344" y="6492875"/>
+            <a:ext cx="572655" cy="365125"/>
           </a:xfrm>
           <a:prstGeom prst="rect">
             <a:avLst/>
@@ -3549,7 +3359,7 @@
           <a:bodyPr vert="horz" lIns="91440" tIns="45720" rIns="91440" bIns="45720" rtlCol="0" anchor="ctr"/>
           <a:lstStyle>
             <a:lvl1pPr algn="r">
-              <a:defRPr sz="1200">
+              <a:defRPr sz="1600">
                 <a:solidFill>
                   <a:schemeClr val="tx1">
                     <a:tint val="75000"/>
@@ -3561,6 +3371,7 @@
           <a:p>
             <a:fld id="{325BE2B7-23DB-644D-89A2-CA3C2E8FEF83}" type="slidenum">
               <a:rPr lang="en-US" smtClean="0"/>
+              <a:pPr/>
               <a:t>‹#›</a:t>
             </a:fld>
             <a:endParaRPr lang="en-US"/>
@@ -4089,7 +3900,7 @@
           <p:cNvPr id="2" name="Title 1">
             <a:extLst>
               <a:ext uri="{FF2B5EF4-FFF2-40B4-BE49-F238E27FC236}">
-                <a16:creationId xmlns:a16="http://schemas.microsoft.com/office/drawing/2014/main" id="{28D41CC6-E58F-9815-7F43-FE882D6285B8}"/>
+                <a16:creationId xmlns:a16="http://schemas.microsoft.com/office/drawing/2014/main" id="{C290F69D-0FE8-4DE7-335F-C35D2FA37D1D}"/>
               </a:ext>
             </a:extLst>
           </p:cNvPr>
@@ -4107,7 +3918,7 @@
           <a:p>
             <a:r>
               <a:rPr lang="en-GB" dirty="0"/>
-              <a:t>Quiz: Hashing Function</a:t>
+              <a:t>Quiz: Linear Probing I</a:t>
             </a:r>
             <a:endParaRPr lang="en-SE" dirty="0"/>
           </a:p>
@@ -4118,7 +3929,7 @@
           <p:cNvPr id="3" name="Content Placeholder 2">
             <a:extLst>
               <a:ext uri="{FF2B5EF4-FFF2-40B4-BE49-F238E27FC236}">
-                <a16:creationId xmlns:a16="http://schemas.microsoft.com/office/drawing/2014/main" id="{8D3A0F9E-FA3C-8690-E1D0-9D9B5135C6C0}"/>
+                <a16:creationId xmlns:a16="http://schemas.microsoft.com/office/drawing/2014/main" id="{86987AB5-687F-8B43-4FF5-23BE1E094D7E}"/>
               </a:ext>
             </a:extLst>
           </p:cNvPr>
@@ -4129,11 +3940,14 @@
             <p:ph idx="1"/>
           </p:nvPr>
         </p:nvSpPr>
-        <p:spPr/>
-        <p:txBody>
-          <a:bodyPr>
-            <a:normAutofit/>
-          </a:bodyPr>
+        <p:spPr>
+          <a:xfrm>
+            <a:off x="457200" y="1417638"/>
+            <a:ext cx="7591663" cy="4525963"/>
+          </a:xfrm>
+        </p:spPr>
+        <p:txBody>
+          <a:bodyPr/>
           <a:lstStyle/>
           <a:p>
             <a:r>
@@ -4144,15 +3958,443 @@
                 <a:effectLst/>
                 <a:latin typeface="Lato Extended"/>
               </a:rPr>
-              <a:t>Hashing: Consider a hash table of size 4, with starting index zero, and a hash function (7x+3) mod 4 for key x. Assuming the hash table is initially empty, which of the following is the contents of the table when the sequence 1, 3, 8, 10 is inserted into the table using closed hashing ? Here “__” denotes an empty location in the table.</a:t>
-            </a:r>
+              <a:t>Hashing: The keys 12, 18, 13, 2, 3, 23, 5 and 15 are inserted into an initially empty hash table of length 10 using open addressing with hash function h(k) = k % 10 and linear probing. What is the resultant hash table?</a:t>
+            </a:r>
+          </a:p>
+        </p:txBody>
+      </p:sp>
+      <p:graphicFrame>
+        <p:nvGraphicFramePr>
+          <p:cNvPr id="4" name="Table 3">
+            <a:extLst>
+              <a:ext uri="{FF2B5EF4-FFF2-40B4-BE49-F238E27FC236}">
+                <a16:creationId xmlns:a16="http://schemas.microsoft.com/office/drawing/2014/main" id="{51563832-BCBD-105B-12D4-4B41872D1B37}"/>
+              </a:ext>
+            </a:extLst>
+          </p:cNvPr>
+          <p:cNvGraphicFramePr>
+            <a:graphicFrameLocks noGrp="1"/>
+          </p:cNvGraphicFramePr>
+          <p:nvPr>
+            <p:extLst>
+              <p:ext uri="{D42A27DB-BD31-4B8C-83A1-F6EECF244321}">
+                <p14:modId xmlns:p14="http://schemas.microsoft.com/office/powerpoint/2010/main" val="3767339182"/>
+              </p:ext>
+            </p:extLst>
+          </p:nvPr>
+        </p:nvGraphicFramePr>
+        <p:xfrm>
+          <a:off x="2193403" y="4644342"/>
+          <a:ext cx="5001270" cy="914400"/>
+        </p:xfrm>
+        <a:graphic>
+          <a:graphicData uri="http://schemas.openxmlformats.org/drawingml/2006/table">
+            <a:tbl>
+              <a:tblPr firstRow="1" bandRow="1">
+                <a:tableStyleId>{5C22544A-7EE6-4342-B048-85BDC9FD1C3A}</a:tableStyleId>
+              </a:tblPr>
+              <a:tblGrid>
+                <a:gridCol w="500127">
+                  <a:extLst>
+                    <a:ext uri="{9D8B030D-6E8A-4147-A177-3AD203B41FA5}">
+                      <a16:colId xmlns:a16="http://schemas.microsoft.com/office/drawing/2014/main" val="2806540941"/>
+                    </a:ext>
+                  </a:extLst>
+                </a:gridCol>
+                <a:gridCol w="500127">
+                  <a:extLst>
+                    <a:ext uri="{9D8B030D-6E8A-4147-A177-3AD203B41FA5}">
+                      <a16:colId xmlns:a16="http://schemas.microsoft.com/office/drawing/2014/main" val="1263569856"/>
+                    </a:ext>
+                  </a:extLst>
+                </a:gridCol>
+                <a:gridCol w="500127">
+                  <a:extLst>
+                    <a:ext uri="{9D8B030D-6E8A-4147-A177-3AD203B41FA5}">
+                      <a16:colId xmlns:a16="http://schemas.microsoft.com/office/drawing/2014/main" val="788082948"/>
+                    </a:ext>
+                  </a:extLst>
+                </a:gridCol>
+                <a:gridCol w="500127">
+                  <a:extLst>
+                    <a:ext uri="{9D8B030D-6E8A-4147-A177-3AD203B41FA5}">
+                      <a16:colId xmlns:a16="http://schemas.microsoft.com/office/drawing/2014/main" val="3245160161"/>
+                    </a:ext>
+                  </a:extLst>
+                </a:gridCol>
+                <a:gridCol w="500127">
+                  <a:extLst>
+                    <a:ext uri="{9D8B030D-6E8A-4147-A177-3AD203B41FA5}">
+                      <a16:colId xmlns:a16="http://schemas.microsoft.com/office/drawing/2014/main" val="3443193553"/>
+                    </a:ext>
+                  </a:extLst>
+                </a:gridCol>
+                <a:gridCol w="500127">
+                  <a:extLst>
+                    <a:ext uri="{9D8B030D-6E8A-4147-A177-3AD203B41FA5}">
+                      <a16:colId xmlns:a16="http://schemas.microsoft.com/office/drawing/2014/main" val="853762400"/>
+                    </a:ext>
+                  </a:extLst>
+                </a:gridCol>
+                <a:gridCol w="500127">
+                  <a:extLst>
+                    <a:ext uri="{9D8B030D-6E8A-4147-A177-3AD203B41FA5}">
+                      <a16:colId xmlns:a16="http://schemas.microsoft.com/office/drawing/2014/main" val="1898617125"/>
+                    </a:ext>
+                  </a:extLst>
+                </a:gridCol>
+                <a:gridCol w="500127">
+                  <a:extLst>
+                    <a:ext uri="{9D8B030D-6E8A-4147-A177-3AD203B41FA5}">
+                      <a16:colId xmlns:a16="http://schemas.microsoft.com/office/drawing/2014/main" val="1354316024"/>
+                    </a:ext>
+                  </a:extLst>
+                </a:gridCol>
+                <a:gridCol w="500127">
+                  <a:extLst>
+                    <a:ext uri="{9D8B030D-6E8A-4147-A177-3AD203B41FA5}">
+                      <a16:colId xmlns:a16="http://schemas.microsoft.com/office/drawing/2014/main" val="2727229563"/>
+                    </a:ext>
+                  </a:extLst>
+                </a:gridCol>
+                <a:gridCol w="500127">
+                  <a:extLst>
+                    <a:ext uri="{9D8B030D-6E8A-4147-A177-3AD203B41FA5}">
+                      <a16:colId xmlns:a16="http://schemas.microsoft.com/office/drawing/2014/main" val="1307084591"/>
+                    </a:ext>
+                  </a:extLst>
+                </a:gridCol>
+              </a:tblGrid>
+              <a:tr h="370840">
+                <a:tc>
+                  <a:txBody>
+                    <a:bodyPr/>
+                    <a:lstStyle/>
+                    <a:p>
+                      <a:pPr algn="ctr"/>
+                      <a:r>
+                        <a:rPr lang="en-GB" sz="2400" dirty="0"/>
+                        <a:t>0</a:t>
+                      </a:r>
+                      <a:endParaRPr lang="en-SE" sz="2400" dirty="0"/>
+                    </a:p>
+                  </a:txBody>
+                  <a:tcPr/>
+                </a:tc>
+                <a:tc>
+                  <a:txBody>
+                    <a:bodyPr/>
+                    <a:lstStyle/>
+                    <a:p>
+                      <a:pPr algn="ctr"/>
+                      <a:r>
+                        <a:rPr lang="en-GB" sz="2400" dirty="0"/>
+                        <a:t>1</a:t>
+                      </a:r>
+                      <a:endParaRPr lang="en-SE" sz="2400" dirty="0"/>
+                    </a:p>
+                  </a:txBody>
+                  <a:tcPr/>
+                </a:tc>
+                <a:tc>
+                  <a:txBody>
+                    <a:bodyPr/>
+                    <a:lstStyle/>
+                    <a:p>
+                      <a:pPr algn="ctr"/>
+                      <a:r>
+                        <a:rPr lang="en-GB" sz="2400" dirty="0"/>
+                        <a:t>2</a:t>
+                      </a:r>
+                      <a:endParaRPr lang="en-SE" sz="2400" dirty="0"/>
+                    </a:p>
+                  </a:txBody>
+                  <a:tcPr/>
+                </a:tc>
+                <a:tc>
+                  <a:txBody>
+                    <a:bodyPr/>
+                    <a:lstStyle/>
+                    <a:p>
+                      <a:pPr algn="ctr"/>
+                      <a:r>
+                        <a:rPr lang="en-GB" sz="2400" dirty="0"/>
+                        <a:t>3</a:t>
+                      </a:r>
+                      <a:endParaRPr lang="en-SE" sz="2400" dirty="0"/>
+                    </a:p>
+                  </a:txBody>
+                  <a:tcPr/>
+                </a:tc>
+                <a:tc>
+                  <a:txBody>
+                    <a:bodyPr/>
+                    <a:lstStyle/>
+                    <a:p>
+                      <a:pPr algn="ctr"/>
+                      <a:r>
+                        <a:rPr lang="en-GB" sz="2400" dirty="0"/>
+                        <a:t>4</a:t>
+                      </a:r>
+                      <a:endParaRPr lang="en-SE" sz="2400" dirty="0"/>
+                    </a:p>
+                  </a:txBody>
+                  <a:tcPr/>
+                </a:tc>
+                <a:tc>
+                  <a:txBody>
+                    <a:bodyPr/>
+                    <a:lstStyle/>
+                    <a:p>
+                      <a:pPr algn="ctr"/>
+                      <a:r>
+                        <a:rPr lang="en-US" sz="2400" dirty="0"/>
+                        <a:t>5</a:t>
+                      </a:r>
+                      <a:endParaRPr lang="en-SE" sz="2400" dirty="0"/>
+                    </a:p>
+                  </a:txBody>
+                  <a:tcPr/>
+                </a:tc>
+                <a:tc>
+                  <a:txBody>
+                    <a:bodyPr/>
+                    <a:lstStyle/>
+                    <a:p>
+                      <a:pPr algn="ctr"/>
+                      <a:r>
+                        <a:rPr lang="en-US" sz="2400" dirty="0"/>
+                        <a:t>6</a:t>
+                      </a:r>
+                      <a:endParaRPr lang="en-SE" sz="2400" dirty="0"/>
+                    </a:p>
+                  </a:txBody>
+                  <a:tcPr/>
+                </a:tc>
+                <a:tc>
+                  <a:txBody>
+                    <a:bodyPr/>
+                    <a:lstStyle/>
+                    <a:p>
+                      <a:pPr algn="ctr"/>
+                      <a:r>
+                        <a:rPr lang="en-US" sz="2400" dirty="0"/>
+                        <a:t>7</a:t>
+                      </a:r>
+                      <a:endParaRPr lang="en-SE" sz="2400" dirty="0"/>
+                    </a:p>
+                  </a:txBody>
+                  <a:tcPr/>
+                </a:tc>
+                <a:tc>
+                  <a:txBody>
+                    <a:bodyPr/>
+                    <a:lstStyle/>
+                    <a:p>
+                      <a:pPr algn="ctr"/>
+                      <a:r>
+                        <a:rPr lang="en-US" sz="2400" dirty="0"/>
+                        <a:t>8</a:t>
+                      </a:r>
+                      <a:endParaRPr lang="en-SE" sz="2400" dirty="0"/>
+                    </a:p>
+                  </a:txBody>
+                  <a:tcPr/>
+                </a:tc>
+                <a:tc>
+                  <a:txBody>
+                    <a:bodyPr/>
+                    <a:lstStyle/>
+                    <a:p>
+                      <a:pPr algn="ctr"/>
+                      <a:r>
+                        <a:rPr lang="en-US" sz="2400" dirty="0"/>
+                        <a:t>9</a:t>
+                      </a:r>
+                      <a:endParaRPr lang="en-SE" sz="2400" dirty="0"/>
+                    </a:p>
+                  </a:txBody>
+                  <a:tcPr/>
+                </a:tc>
+                <a:extLst>
+                  <a:ext uri="{0D108BD9-81ED-4DB2-BD59-A6C34878D82A}">
+                    <a16:rowId xmlns:a16="http://schemas.microsoft.com/office/drawing/2014/main" val="892375877"/>
+                  </a:ext>
+                </a:extLst>
+              </a:tr>
+              <a:tr h="370840">
+                <a:tc>
+                  <a:txBody>
+                    <a:bodyPr/>
+                    <a:lstStyle/>
+                    <a:p>
+                      <a:pPr algn="ctr"/>
+                      <a:endParaRPr lang="en-SE" sz="2400" dirty="0"/>
+                    </a:p>
+                  </a:txBody>
+                  <a:tcPr/>
+                </a:tc>
+                <a:tc>
+                  <a:txBody>
+                    <a:bodyPr/>
+                    <a:lstStyle/>
+                    <a:p>
+                      <a:pPr algn="ctr"/>
+                      <a:endParaRPr lang="en-SE" sz="2400" dirty="0"/>
+                    </a:p>
+                  </a:txBody>
+                  <a:tcPr/>
+                </a:tc>
+                <a:tc>
+                  <a:txBody>
+                    <a:bodyPr/>
+                    <a:lstStyle/>
+                    <a:p>
+                      <a:pPr algn="ctr"/>
+                      <a:endParaRPr lang="en-SE" sz="2400" dirty="0"/>
+                    </a:p>
+                  </a:txBody>
+                  <a:tcPr/>
+                </a:tc>
+                <a:tc>
+                  <a:txBody>
+                    <a:bodyPr/>
+                    <a:lstStyle/>
+                    <a:p>
+                      <a:pPr algn="ctr"/>
+                      <a:endParaRPr lang="en-SE" sz="2400" dirty="0"/>
+                    </a:p>
+                  </a:txBody>
+                  <a:tcPr/>
+                </a:tc>
+                <a:tc>
+                  <a:txBody>
+                    <a:bodyPr/>
+                    <a:lstStyle/>
+                    <a:p>
+                      <a:pPr algn="ctr"/>
+                      <a:endParaRPr lang="en-SE" sz="2400" dirty="0"/>
+                    </a:p>
+                  </a:txBody>
+                  <a:tcPr/>
+                </a:tc>
+                <a:tc>
+                  <a:txBody>
+                    <a:bodyPr/>
+                    <a:lstStyle/>
+                    <a:p>
+                      <a:pPr algn="ctr"/>
+                      <a:endParaRPr lang="en-SE" sz="2400" dirty="0"/>
+                    </a:p>
+                  </a:txBody>
+                  <a:tcPr/>
+                </a:tc>
+                <a:tc>
+                  <a:txBody>
+                    <a:bodyPr/>
+                    <a:lstStyle/>
+                    <a:p>
+                      <a:pPr algn="ctr"/>
+                      <a:endParaRPr lang="en-SE" sz="2400" dirty="0"/>
+                    </a:p>
+                  </a:txBody>
+                  <a:tcPr/>
+                </a:tc>
+                <a:tc>
+                  <a:txBody>
+                    <a:bodyPr/>
+                    <a:lstStyle/>
+                    <a:p>
+                      <a:pPr algn="ctr"/>
+                      <a:endParaRPr lang="en-SE" sz="2400" dirty="0"/>
+                    </a:p>
+                  </a:txBody>
+                  <a:tcPr/>
+                </a:tc>
+                <a:tc>
+                  <a:txBody>
+                    <a:bodyPr/>
+                    <a:lstStyle/>
+                    <a:p>
+                      <a:pPr algn="ctr"/>
+                      <a:endParaRPr lang="en-SE" sz="2400" dirty="0"/>
+                    </a:p>
+                  </a:txBody>
+                  <a:tcPr/>
+                </a:tc>
+                <a:tc>
+                  <a:txBody>
+                    <a:bodyPr/>
+                    <a:lstStyle/>
+                    <a:p>
+                      <a:pPr algn="ctr"/>
+                      <a:endParaRPr lang="en-SE" sz="2400" dirty="0"/>
+                    </a:p>
+                  </a:txBody>
+                  <a:tcPr/>
+                </a:tc>
+                <a:extLst>
+                  <a:ext uri="{0D108BD9-81ED-4DB2-BD59-A6C34878D82A}">
+                    <a16:rowId xmlns:a16="http://schemas.microsoft.com/office/drawing/2014/main" val="2210040062"/>
+                  </a:ext>
+                </a:extLst>
+              </a:tr>
+            </a:tbl>
+          </a:graphicData>
+        </a:graphic>
+      </p:graphicFrame>
+      <p:sp>
+        <p:nvSpPr>
+          <p:cNvPr id="5" name="Slide Number Placeholder 5">
+            <a:extLst>
+              <a:ext uri="{FF2B5EF4-FFF2-40B4-BE49-F238E27FC236}">
+                <a16:creationId xmlns:a16="http://schemas.microsoft.com/office/drawing/2014/main" id="{D5BC6C37-E06E-E87C-D8AA-3F38CFC632CF}"/>
+              </a:ext>
+            </a:extLst>
+          </p:cNvPr>
+          <p:cNvSpPr>
+            <a:spLocks noGrp="1"/>
+          </p:cNvSpPr>
+          <p:nvPr>
+            <p:ph type="sldNum" sz="quarter" idx="4"/>
+          </p:nvPr>
+        </p:nvSpPr>
+        <p:spPr>
+          <a:xfrm>
+            <a:off x="8571344" y="6492875"/>
+            <a:ext cx="572655" cy="365125"/>
+          </a:xfrm>
+          <a:prstGeom prst="rect">
+            <a:avLst/>
+          </a:prstGeom>
+        </p:spPr>
+        <p:txBody>
+          <a:bodyPr vert="horz" lIns="91440" tIns="45720" rIns="91440" bIns="45720" rtlCol="0" anchor="ctr"/>
+          <a:lstStyle>
+            <a:lvl1pPr algn="r">
+              <a:defRPr sz="1600">
+                <a:solidFill>
+                  <a:schemeClr val="tx1">
+                    <a:tint val="75000"/>
+                  </a:schemeClr>
+                </a:solidFill>
+              </a:defRPr>
+            </a:lvl1pPr>
+          </a:lstStyle>
+          <a:p>
+            <a:fld id="{325BE2B7-23DB-644D-89A2-CA3C2E8FEF83}" type="slidenum">
+              <a:rPr lang="en-US" smtClean="0"/>
+              <a:pPr/>
+              <a:t>2</a:t>
+            </a:fld>
+            <a:endParaRPr lang="en-US"/>
           </a:p>
         </p:txBody>
       </p:sp>
     </p:spTree>
     <p:extLst>
       <p:ext uri="{BB962C8B-B14F-4D97-AF65-F5344CB8AC3E}">
-        <p14:creationId xmlns:p14="http://schemas.microsoft.com/office/powerpoint/2010/main" val="2479587931"/>
+        <p14:creationId xmlns:p14="http://schemas.microsoft.com/office/powerpoint/2010/main" val="1213428407"/>
       </p:ext>
     </p:extLst>
   </p:cSld>
@@ -4184,7 +4426,7 @@
           <p:cNvPr id="2" name="Title 1">
             <a:extLst>
               <a:ext uri="{FF2B5EF4-FFF2-40B4-BE49-F238E27FC236}">
-                <a16:creationId xmlns:a16="http://schemas.microsoft.com/office/drawing/2014/main" id="{C290F69D-0FE8-4DE7-335F-C35D2FA37D1D}"/>
+                <a16:creationId xmlns:a16="http://schemas.microsoft.com/office/drawing/2014/main" id="{18E90732-7976-19CE-E900-7084003828D5}"/>
               </a:ext>
             </a:extLst>
           </p:cNvPr>
@@ -4202,7 +4444,7 @@
           <a:p>
             <a:r>
               <a:rPr lang="en-GB" dirty="0"/>
-              <a:t>Quiz: Linear Probing I</a:t>
+              <a:t>Quiz: Linear Probing II</a:t>
             </a:r>
             <a:endParaRPr lang="en-SE" dirty="0"/>
           </a:p>
@@ -4213,7 +4455,7 @@
           <p:cNvPr id="3" name="Content Placeholder 2">
             <a:extLst>
               <a:ext uri="{FF2B5EF4-FFF2-40B4-BE49-F238E27FC236}">
-                <a16:creationId xmlns:a16="http://schemas.microsoft.com/office/drawing/2014/main" id="{86987AB5-687F-8B43-4FF5-23BE1E094D7E}"/>
+                <a16:creationId xmlns:a16="http://schemas.microsoft.com/office/drawing/2014/main" id="{821C68B6-1505-A786-2206-547C44325DA5}"/>
               </a:ext>
             </a:extLst>
           </p:cNvPr>
@@ -4226,32 +4468,509 @@
         </p:nvSpPr>
         <p:spPr>
           <a:xfrm>
-            <a:off x="457200" y="1417638"/>
-            <a:ext cx="7591663" cy="4525963"/>
+            <a:off x="457200" y="1600200"/>
+            <a:ext cx="6515100" cy="4525963"/>
           </a:xfrm>
         </p:spPr>
         <p:txBody>
-          <a:bodyPr/>
+          <a:bodyPr>
+            <a:normAutofit/>
+          </a:bodyPr>
           <a:lstStyle/>
           <a:p>
             <a:r>
-              <a:rPr lang="en-GB" b="0" i="0" dirty="0">
+              <a:rPr lang="en-GB" dirty="0"/>
+              <a:t>Hashing: A hash table of length 10 uses open addressing with hash function h(k)=k % 10, and linear probing. After inserting 6 values into an empty hash table, the table is as shown below. </a:t>
+            </a:r>
+          </a:p>
+          <a:p>
+            <a:r>
+              <a:rPr lang="en-GB" dirty="0"/>
+              <a:t>Which one of the following choices gives a possible order in which the key values could have been inserted in the table?</a:t>
+            </a:r>
+          </a:p>
+          <a:p>
+            <a:r>
+              <a:rPr lang="en-GB" dirty="0"/>
+              <a:t>A. 46, 34, 42, 23, 52, 33</a:t>
+            </a:r>
+          </a:p>
+          <a:p>
+            <a:r>
+              <a:rPr lang="en-GB" dirty="0"/>
+              <a:t>B. 46, 34, 52, 23, 42, 33</a:t>
+            </a:r>
+          </a:p>
+          <a:p>
+            <a:r>
+              <a:rPr lang="en-GB" dirty="0"/>
+              <a:t>C. 33, 46, 34, 52, 23, 42</a:t>
+            </a:r>
+          </a:p>
+          <a:p>
+            <a:r>
+              <a:rPr lang="en-GB" dirty="0"/>
+              <a:t>D. 33, 46, 34, 52, 42, 23</a:t>
+            </a:r>
+          </a:p>
+        </p:txBody>
+      </p:sp>
+      <p:graphicFrame>
+        <p:nvGraphicFramePr>
+          <p:cNvPr id="4" name="Table 3">
+            <a:extLst>
+              <a:ext uri="{FF2B5EF4-FFF2-40B4-BE49-F238E27FC236}">
+                <a16:creationId xmlns:a16="http://schemas.microsoft.com/office/drawing/2014/main" id="{4BADB980-57F2-1ABE-998C-FB0FEA8691C2}"/>
+              </a:ext>
+            </a:extLst>
+          </p:cNvPr>
+          <p:cNvGraphicFramePr>
+            <a:graphicFrameLocks noGrp="1"/>
+          </p:cNvGraphicFramePr>
+          <p:nvPr>
+            <p:extLst>
+              <p:ext uri="{D42A27DB-BD31-4B8C-83A1-F6EECF244321}">
+                <p14:modId xmlns:p14="http://schemas.microsoft.com/office/powerpoint/2010/main" val="2280074055"/>
+              </p:ext>
+            </p:extLst>
+          </p:nvPr>
+        </p:nvGraphicFramePr>
+        <p:xfrm>
+          <a:off x="4027487" y="4735088"/>
+          <a:ext cx="5001270" cy="914400"/>
+        </p:xfrm>
+        <a:graphic>
+          <a:graphicData uri="http://schemas.openxmlformats.org/drawingml/2006/table">
+            <a:tbl>
+              <a:tblPr firstRow="1" bandRow="1">
+                <a:tableStyleId>{5C22544A-7EE6-4342-B048-85BDC9FD1C3A}</a:tableStyleId>
+              </a:tblPr>
+              <a:tblGrid>
+                <a:gridCol w="500127">
+                  <a:extLst>
+                    <a:ext uri="{9D8B030D-6E8A-4147-A177-3AD203B41FA5}">
+                      <a16:colId xmlns:a16="http://schemas.microsoft.com/office/drawing/2014/main" val="2806540941"/>
+                    </a:ext>
+                  </a:extLst>
+                </a:gridCol>
+                <a:gridCol w="500127">
+                  <a:extLst>
+                    <a:ext uri="{9D8B030D-6E8A-4147-A177-3AD203B41FA5}">
+                      <a16:colId xmlns:a16="http://schemas.microsoft.com/office/drawing/2014/main" val="1263569856"/>
+                    </a:ext>
+                  </a:extLst>
+                </a:gridCol>
+                <a:gridCol w="500127">
+                  <a:extLst>
+                    <a:ext uri="{9D8B030D-6E8A-4147-A177-3AD203B41FA5}">
+                      <a16:colId xmlns:a16="http://schemas.microsoft.com/office/drawing/2014/main" val="788082948"/>
+                    </a:ext>
+                  </a:extLst>
+                </a:gridCol>
+                <a:gridCol w="500127">
+                  <a:extLst>
+                    <a:ext uri="{9D8B030D-6E8A-4147-A177-3AD203B41FA5}">
+                      <a16:colId xmlns:a16="http://schemas.microsoft.com/office/drawing/2014/main" val="3245160161"/>
+                    </a:ext>
+                  </a:extLst>
+                </a:gridCol>
+                <a:gridCol w="500127">
+                  <a:extLst>
+                    <a:ext uri="{9D8B030D-6E8A-4147-A177-3AD203B41FA5}">
+                      <a16:colId xmlns:a16="http://schemas.microsoft.com/office/drawing/2014/main" val="3443193553"/>
+                    </a:ext>
+                  </a:extLst>
+                </a:gridCol>
+                <a:gridCol w="500127">
+                  <a:extLst>
+                    <a:ext uri="{9D8B030D-6E8A-4147-A177-3AD203B41FA5}">
+                      <a16:colId xmlns:a16="http://schemas.microsoft.com/office/drawing/2014/main" val="853762400"/>
+                    </a:ext>
+                  </a:extLst>
+                </a:gridCol>
+                <a:gridCol w="500127">
+                  <a:extLst>
+                    <a:ext uri="{9D8B030D-6E8A-4147-A177-3AD203B41FA5}">
+                      <a16:colId xmlns:a16="http://schemas.microsoft.com/office/drawing/2014/main" val="1898617125"/>
+                    </a:ext>
+                  </a:extLst>
+                </a:gridCol>
+                <a:gridCol w="500127">
+                  <a:extLst>
+                    <a:ext uri="{9D8B030D-6E8A-4147-A177-3AD203B41FA5}">
+                      <a16:colId xmlns:a16="http://schemas.microsoft.com/office/drawing/2014/main" val="1354316024"/>
+                    </a:ext>
+                  </a:extLst>
+                </a:gridCol>
+                <a:gridCol w="500127">
+                  <a:extLst>
+                    <a:ext uri="{9D8B030D-6E8A-4147-A177-3AD203B41FA5}">
+                      <a16:colId xmlns:a16="http://schemas.microsoft.com/office/drawing/2014/main" val="2727229563"/>
+                    </a:ext>
+                  </a:extLst>
+                </a:gridCol>
+                <a:gridCol w="500127">
+                  <a:extLst>
+                    <a:ext uri="{9D8B030D-6E8A-4147-A177-3AD203B41FA5}">
+                      <a16:colId xmlns:a16="http://schemas.microsoft.com/office/drawing/2014/main" val="1307084591"/>
+                    </a:ext>
+                  </a:extLst>
+                </a:gridCol>
+              </a:tblGrid>
+              <a:tr h="370840">
+                <a:tc>
+                  <a:txBody>
+                    <a:bodyPr/>
+                    <a:lstStyle/>
+                    <a:p>
+                      <a:pPr algn="ctr"/>
+                      <a:r>
+                        <a:rPr lang="en-GB" sz="2400" dirty="0"/>
+                        <a:t>0</a:t>
+                      </a:r>
+                      <a:endParaRPr lang="en-SE" sz="2400" dirty="0"/>
+                    </a:p>
+                  </a:txBody>
+                  <a:tcPr/>
+                </a:tc>
+                <a:tc>
+                  <a:txBody>
+                    <a:bodyPr/>
+                    <a:lstStyle/>
+                    <a:p>
+                      <a:pPr algn="ctr"/>
+                      <a:r>
+                        <a:rPr lang="en-GB" sz="2400" dirty="0"/>
+                        <a:t>1</a:t>
+                      </a:r>
+                      <a:endParaRPr lang="en-SE" sz="2400" dirty="0"/>
+                    </a:p>
+                  </a:txBody>
+                  <a:tcPr/>
+                </a:tc>
+                <a:tc>
+                  <a:txBody>
+                    <a:bodyPr/>
+                    <a:lstStyle/>
+                    <a:p>
+                      <a:pPr algn="ctr"/>
+                      <a:r>
+                        <a:rPr lang="en-GB" sz="2400" dirty="0"/>
+                        <a:t>2</a:t>
+                      </a:r>
+                      <a:endParaRPr lang="en-SE" sz="2400" dirty="0"/>
+                    </a:p>
+                  </a:txBody>
+                  <a:tcPr/>
+                </a:tc>
+                <a:tc>
+                  <a:txBody>
+                    <a:bodyPr/>
+                    <a:lstStyle/>
+                    <a:p>
+                      <a:pPr algn="ctr"/>
+                      <a:r>
+                        <a:rPr lang="en-GB" sz="2400" dirty="0"/>
+                        <a:t>3</a:t>
+                      </a:r>
+                      <a:endParaRPr lang="en-SE" sz="2400" dirty="0"/>
+                    </a:p>
+                  </a:txBody>
+                  <a:tcPr/>
+                </a:tc>
+                <a:tc>
+                  <a:txBody>
+                    <a:bodyPr/>
+                    <a:lstStyle/>
+                    <a:p>
+                      <a:pPr algn="ctr"/>
+                      <a:r>
+                        <a:rPr lang="en-GB" sz="2400" dirty="0"/>
+                        <a:t>4</a:t>
+                      </a:r>
+                      <a:endParaRPr lang="en-SE" sz="2400" dirty="0"/>
+                    </a:p>
+                  </a:txBody>
+                  <a:tcPr/>
+                </a:tc>
+                <a:tc>
+                  <a:txBody>
+                    <a:bodyPr/>
+                    <a:lstStyle/>
+                    <a:p>
+                      <a:pPr algn="ctr"/>
+                      <a:r>
+                        <a:rPr lang="en-US" sz="2400" dirty="0"/>
+                        <a:t>5</a:t>
+                      </a:r>
+                      <a:endParaRPr lang="en-SE" sz="2400" dirty="0"/>
+                    </a:p>
+                  </a:txBody>
+                  <a:tcPr/>
+                </a:tc>
+                <a:tc>
+                  <a:txBody>
+                    <a:bodyPr/>
+                    <a:lstStyle/>
+                    <a:p>
+                      <a:pPr algn="ctr"/>
+                      <a:r>
+                        <a:rPr lang="en-US" sz="2400" dirty="0"/>
+                        <a:t>6</a:t>
+                      </a:r>
+                      <a:endParaRPr lang="en-SE" sz="2400" dirty="0"/>
+                    </a:p>
+                  </a:txBody>
+                  <a:tcPr/>
+                </a:tc>
+                <a:tc>
+                  <a:txBody>
+                    <a:bodyPr/>
+                    <a:lstStyle/>
+                    <a:p>
+                      <a:pPr algn="ctr"/>
+                      <a:r>
+                        <a:rPr lang="en-US" sz="2400" dirty="0"/>
+                        <a:t>7</a:t>
+                      </a:r>
+                      <a:endParaRPr lang="en-SE" sz="2400" dirty="0"/>
+                    </a:p>
+                  </a:txBody>
+                  <a:tcPr/>
+                </a:tc>
+                <a:tc>
+                  <a:txBody>
+                    <a:bodyPr/>
+                    <a:lstStyle/>
+                    <a:p>
+                      <a:pPr algn="ctr"/>
+                      <a:r>
+                        <a:rPr lang="en-US" sz="2400" dirty="0"/>
+                        <a:t>8</a:t>
+                      </a:r>
+                      <a:endParaRPr lang="en-SE" sz="2400" dirty="0"/>
+                    </a:p>
+                  </a:txBody>
+                  <a:tcPr/>
+                </a:tc>
+                <a:tc>
+                  <a:txBody>
+                    <a:bodyPr/>
+                    <a:lstStyle/>
+                    <a:p>
+                      <a:pPr algn="ctr"/>
+                      <a:r>
+                        <a:rPr lang="en-US" sz="2400" dirty="0"/>
+                        <a:t>9</a:t>
+                      </a:r>
+                      <a:endParaRPr lang="en-SE" sz="2400" dirty="0"/>
+                    </a:p>
+                  </a:txBody>
+                  <a:tcPr/>
+                </a:tc>
+                <a:extLst>
+                  <a:ext uri="{0D108BD9-81ED-4DB2-BD59-A6C34878D82A}">
+                    <a16:rowId xmlns:a16="http://schemas.microsoft.com/office/drawing/2014/main" val="892375877"/>
+                  </a:ext>
+                </a:extLst>
+              </a:tr>
+              <a:tr h="370840">
+                <a:tc>
+                  <a:txBody>
+                    <a:bodyPr/>
+                    <a:lstStyle/>
+                    <a:p>
+                      <a:pPr algn="ctr"/>
+                      <a:endParaRPr lang="en-SE" sz="2400" dirty="0"/>
+                    </a:p>
+                  </a:txBody>
+                  <a:tcPr/>
+                </a:tc>
+                <a:tc>
+                  <a:txBody>
+                    <a:bodyPr/>
+                    <a:lstStyle/>
+                    <a:p>
+                      <a:pPr algn="ctr"/>
+                      <a:endParaRPr lang="en-SE" sz="2400" dirty="0"/>
+                    </a:p>
+                  </a:txBody>
+                  <a:tcPr/>
+                </a:tc>
+                <a:tc>
+                  <a:txBody>
+                    <a:bodyPr/>
+                    <a:lstStyle/>
+                    <a:p>
+                      <a:pPr algn="ctr"/>
+                      <a:r>
+                        <a:rPr lang="en-US" sz="2400" dirty="0"/>
+                        <a:t>42</a:t>
+                      </a:r>
+                      <a:endParaRPr lang="en-SE" sz="2400" dirty="0"/>
+                    </a:p>
+                  </a:txBody>
+                  <a:tcPr/>
+                </a:tc>
+                <a:tc>
+                  <a:txBody>
+                    <a:bodyPr/>
+                    <a:lstStyle/>
+                    <a:p>
+                      <a:pPr algn="ctr"/>
+                      <a:r>
+                        <a:rPr lang="en-US" sz="2400" dirty="0"/>
+                        <a:t>23</a:t>
+                      </a:r>
+                      <a:endParaRPr lang="en-SE" sz="2400" dirty="0"/>
+                    </a:p>
+                  </a:txBody>
+                  <a:tcPr/>
+                </a:tc>
+                <a:tc>
+                  <a:txBody>
+                    <a:bodyPr/>
+                    <a:lstStyle/>
+                    <a:p>
+                      <a:pPr algn="ctr"/>
+                      <a:r>
+                        <a:rPr lang="en-US" sz="2400" dirty="0"/>
+                        <a:t>34</a:t>
+                      </a:r>
+                      <a:endParaRPr lang="en-SE" sz="2400" dirty="0"/>
+                    </a:p>
+                  </a:txBody>
+                  <a:tcPr/>
+                </a:tc>
+                <a:tc>
+                  <a:txBody>
+                    <a:bodyPr/>
+                    <a:lstStyle/>
+                    <a:p>
+                      <a:pPr algn="ctr"/>
+                      <a:r>
+                        <a:rPr lang="en-US" sz="2400" dirty="0"/>
+                        <a:t>52</a:t>
+                      </a:r>
+                      <a:endParaRPr lang="en-SE" sz="2400" dirty="0"/>
+                    </a:p>
+                  </a:txBody>
+                  <a:tcPr/>
+                </a:tc>
+                <a:tc>
+                  <a:txBody>
+                    <a:bodyPr/>
+                    <a:lstStyle/>
+                    <a:p>
+                      <a:pPr algn="ctr"/>
+                      <a:r>
+                        <a:rPr lang="en-US" sz="2400" dirty="0"/>
+                        <a:t>46</a:t>
+                      </a:r>
+                      <a:endParaRPr lang="en-SE" sz="2400" dirty="0"/>
+                    </a:p>
+                  </a:txBody>
+                  <a:tcPr/>
+                </a:tc>
+                <a:tc>
+                  <a:txBody>
+                    <a:bodyPr/>
+                    <a:lstStyle/>
+                    <a:p>
+                      <a:pPr algn="ctr"/>
+                      <a:r>
+                        <a:rPr lang="en-US" sz="2400" dirty="0"/>
+                        <a:t>33</a:t>
+                      </a:r>
+                      <a:endParaRPr lang="en-SE" sz="2400" dirty="0"/>
+                    </a:p>
+                  </a:txBody>
+                  <a:tcPr/>
+                </a:tc>
+                <a:tc>
+                  <a:txBody>
+                    <a:bodyPr/>
+                    <a:lstStyle/>
+                    <a:p>
+                      <a:pPr algn="ctr"/>
+                      <a:endParaRPr lang="en-SE" sz="2400" dirty="0"/>
+                    </a:p>
+                  </a:txBody>
+                  <a:tcPr/>
+                </a:tc>
+                <a:tc>
+                  <a:txBody>
+                    <a:bodyPr/>
+                    <a:lstStyle/>
+                    <a:p>
+                      <a:pPr algn="ctr"/>
+                      <a:endParaRPr lang="en-SE" sz="2400" dirty="0"/>
+                    </a:p>
+                  </a:txBody>
+                  <a:tcPr/>
+                </a:tc>
+                <a:extLst>
+                  <a:ext uri="{0D108BD9-81ED-4DB2-BD59-A6C34878D82A}">
+                    <a16:rowId xmlns:a16="http://schemas.microsoft.com/office/drawing/2014/main" val="2210040062"/>
+                  </a:ext>
+                </a:extLst>
+              </a:tr>
+            </a:tbl>
+          </a:graphicData>
+        </a:graphic>
+      </p:graphicFrame>
+      <p:sp>
+        <p:nvSpPr>
+          <p:cNvPr id="5" name="Slide Number Placeholder 5">
+            <a:extLst>
+              <a:ext uri="{FF2B5EF4-FFF2-40B4-BE49-F238E27FC236}">
+                <a16:creationId xmlns:a16="http://schemas.microsoft.com/office/drawing/2014/main" id="{6A42FE5A-D7B4-BDF2-E86E-EBD108BB8EFE}"/>
+              </a:ext>
+            </a:extLst>
+          </p:cNvPr>
+          <p:cNvSpPr>
+            <a:spLocks noGrp="1"/>
+          </p:cNvSpPr>
+          <p:nvPr>
+            <p:ph type="sldNum" sz="quarter" idx="4"/>
+          </p:nvPr>
+        </p:nvSpPr>
+        <p:spPr>
+          <a:xfrm>
+            <a:off x="8571344" y="6492875"/>
+            <a:ext cx="572655" cy="365125"/>
+          </a:xfrm>
+          <a:prstGeom prst="rect">
+            <a:avLst/>
+          </a:prstGeom>
+        </p:spPr>
+        <p:txBody>
+          <a:bodyPr vert="horz" lIns="91440" tIns="45720" rIns="91440" bIns="45720" rtlCol="0" anchor="ctr"/>
+          <a:lstStyle>
+            <a:lvl1pPr algn="r">
+              <a:defRPr sz="1600">
                 <a:solidFill>
-                  <a:srgbClr val="2D3B45"/>
+                  <a:schemeClr val="tx1">
+                    <a:tint val="75000"/>
+                  </a:schemeClr>
                 </a:solidFill>
-                <a:effectLst/>
-                <a:latin typeface="Lato Extended"/>
-              </a:rPr>
-              <a:t>Hashing: The keys 12, 18, 13, 2, 3, 23, 5 and 15 are inserted into an initially empty hash table of length 10 using open addressing with hash function h(k) = k mod 10 and linear probing. What is the resultant hash table?</a:t>
-            </a:r>
-            <a:endParaRPr lang="en-SE" dirty="0"/>
+              </a:defRPr>
+            </a:lvl1pPr>
+          </a:lstStyle>
+          <a:p>
+            <a:fld id="{325BE2B7-23DB-644D-89A2-CA3C2E8FEF83}" type="slidenum">
+              <a:rPr lang="en-US" smtClean="0"/>
+              <a:pPr/>
+              <a:t>3</a:t>
+            </a:fld>
+            <a:endParaRPr lang="en-US"/>
           </a:p>
         </p:txBody>
       </p:sp>
     </p:spTree>
     <p:extLst>
       <p:ext uri="{BB962C8B-B14F-4D97-AF65-F5344CB8AC3E}">
-        <p14:creationId xmlns:p14="http://schemas.microsoft.com/office/powerpoint/2010/main" val="1213428407"/>
+        <p14:creationId xmlns:p14="http://schemas.microsoft.com/office/powerpoint/2010/main" val="3050566866"/>
       </p:ext>
     </p:extLst>
   </p:cSld>
@@ -4283,135 +5002,6 @@
           <p:cNvPr id="2" name="Title 1">
             <a:extLst>
               <a:ext uri="{FF2B5EF4-FFF2-40B4-BE49-F238E27FC236}">
-                <a16:creationId xmlns:a16="http://schemas.microsoft.com/office/drawing/2014/main" id="{18E90732-7976-19CE-E900-7084003828D5}"/>
-              </a:ext>
-            </a:extLst>
-          </p:cNvPr>
-          <p:cNvSpPr>
-            <a:spLocks noGrp="1"/>
-          </p:cNvSpPr>
-          <p:nvPr>
-            <p:ph type="title"/>
-          </p:nvPr>
-        </p:nvSpPr>
-        <p:spPr/>
-        <p:txBody>
-          <a:bodyPr/>
-          <a:lstStyle/>
-          <a:p>
-            <a:r>
-              <a:rPr lang="en-GB" dirty="0"/>
-              <a:t>Quiz: Linear Probing II</a:t>
-            </a:r>
-            <a:endParaRPr lang="en-SE" dirty="0"/>
-          </a:p>
-        </p:txBody>
-      </p:sp>
-      <p:sp>
-        <p:nvSpPr>
-          <p:cNvPr id="3" name="Content Placeholder 2">
-            <a:extLst>
-              <a:ext uri="{FF2B5EF4-FFF2-40B4-BE49-F238E27FC236}">
-                <a16:creationId xmlns:a16="http://schemas.microsoft.com/office/drawing/2014/main" id="{821C68B6-1505-A786-2206-547C44325DA5}"/>
-              </a:ext>
-            </a:extLst>
-          </p:cNvPr>
-          <p:cNvSpPr>
-            <a:spLocks noGrp="1"/>
-          </p:cNvSpPr>
-          <p:nvPr>
-            <p:ph idx="1"/>
-          </p:nvPr>
-        </p:nvSpPr>
-        <p:spPr>
-          <a:xfrm>
-            <a:off x="457200" y="1600200"/>
-            <a:ext cx="6694714" cy="4525963"/>
-          </a:xfrm>
-        </p:spPr>
-        <p:txBody>
-          <a:bodyPr/>
-          <a:lstStyle/>
-          <a:p>
-            <a:r>
-              <a:rPr lang="en-GB" dirty="0"/>
-              <a:t>Hashing: A hash table of length 10 uses open addressing with hash function h(k)=k mod 10, and linear probing. After inserting 6 values into an empty hash table, the table is as shown below. </a:t>
-            </a:r>
-          </a:p>
-          <a:p>
-            <a:r>
-              <a:rPr lang="en-GB" dirty="0"/>
-              <a:t>Which one of the following choices gives a possible order in which the key values could have been inserted in the table?</a:t>
-            </a:r>
-            <a:endParaRPr lang="en-SE" dirty="0"/>
-          </a:p>
-        </p:txBody>
-      </p:sp>
-      <p:pic>
-        <p:nvPicPr>
-          <p:cNvPr id="7" name="Picture 6">
-            <a:extLst>
-              <a:ext uri="{FF2B5EF4-FFF2-40B4-BE49-F238E27FC236}">
-                <a16:creationId xmlns:a16="http://schemas.microsoft.com/office/drawing/2014/main" id="{73502D89-DB75-E8D5-4997-57DA923B371F}"/>
-              </a:ext>
-            </a:extLst>
-          </p:cNvPr>
-          <p:cNvPicPr>
-            <a:picLocks noChangeAspect="1"/>
-          </p:cNvPicPr>
-          <p:nvPr/>
-        </p:nvPicPr>
-        <p:blipFill>
-          <a:blip r:embed="rId2"/>
-          <a:stretch>
-            <a:fillRect/>
-          </a:stretch>
-        </p:blipFill>
-        <p:spPr>
-          <a:xfrm>
-            <a:off x="6874329" y="1600199"/>
-            <a:ext cx="2269671" cy="3905945"/>
-          </a:xfrm>
-          <a:prstGeom prst="rect">
-            <a:avLst/>
-          </a:prstGeom>
-        </p:spPr>
-      </p:pic>
-    </p:spTree>
-    <p:extLst>
-      <p:ext uri="{BB962C8B-B14F-4D97-AF65-F5344CB8AC3E}">
-        <p14:creationId xmlns:p14="http://schemas.microsoft.com/office/powerpoint/2010/main" val="3050566866"/>
-      </p:ext>
-    </p:extLst>
-  </p:cSld>
-  <p:clrMapOvr>
-    <a:masterClrMapping/>
-  </p:clrMapOvr>
-</p:sld>
-</file>
-
-<file path=ppt/slides/slide5.xml><?xml version="1.0" encoding="utf-8"?>
-<p:sld xmlns:a="http://schemas.openxmlformats.org/drawingml/2006/main" xmlns:r="http://schemas.openxmlformats.org/officeDocument/2006/relationships" xmlns:p="http://schemas.openxmlformats.org/presentationml/2006/main">
-  <p:cSld>
-    <p:spTree>
-      <p:nvGrpSpPr>
-        <p:cNvPr id="1" name=""/>
-        <p:cNvGrpSpPr/>
-        <p:nvPr/>
-      </p:nvGrpSpPr>
-      <p:grpSpPr>
-        <a:xfrm>
-          <a:off x="0" y="0"/>
-          <a:ext cx="0" cy="0"/>
-          <a:chOff x="0" y="0"/>
-          <a:chExt cx="0" cy="0"/>
-        </a:xfrm>
-      </p:grpSpPr>
-      <p:sp>
-        <p:nvSpPr>
-          <p:cNvPr id="2" name="Title 1">
-            <a:extLst>
-              <a:ext uri="{FF2B5EF4-FFF2-40B4-BE49-F238E27FC236}">
                 <a16:creationId xmlns:a16="http://schemas.microsoft.com/office/drawing/2014/main" id="{90D33520-D9CB-8FE4-4393-640267EBB54B}"/>
               </a:ext>
             </a:extLst>
@@ -4459,7 +5049,7 @@
           <a:p>
             <a:r>
               <a:rPr lang="en-GB" dirty="0"/>
-              <a:t>What is the probability of next key going in the open slots in the following hash able? Assume each table index is equally likely for each key. Hash(k) = k mod 7 </a:t>
+              <a:t>What is the probability of next key going in the open slots in the following hash able? Assume each table index is equally likely for each key. Hash(k) = k % 7 </a:t>
             </a:r>
           </a:p>
           <a:p>
@@ -4503,6 +5093,54 @@
           </a:prstGeom>
         </p:spPr>
       </p:pic>
+      <p:sp>
+        <p:nvSpPr>
+          <p:cNvPr id="4" name="Slide Number Placeholder 5">
+            <a:extLst>
+              <a:ext uri="{FF2B5EF4-FFF2-40B4-BE49-F238E27FC236}">
+                <a16:creationId xmlns:a16="http://schemas.microsoft.com/office/drawing/2014/main" id="{8E0AC07C-CB1E-107E-C3B5-7C4DE284BFCC}"/>
+              </a:ext>
+            </a:extLst>
+          </p:cNvPr>
+          <p:cNvSpPr>
+            <a:spLocks noGrp="1"/>
+          </p:cNvSpPr>
+          <p:nvPr>
+            <p:ph type="sldNum" sz="quarter" idx="4"/>
+          </p:nvPr>
+        </p:nvSpPr>
+        <p:spPr>
+          <a:xfrm>
+            <a:off x="8571344" y="6492875"/>
+            <a:ext cx="572655" cy="365125"/>
+          </a:xfrm>
+          <a:prstGeom prst="rect">
+            <a:avLst/>
+          </a:prstGeom>
+        </p:spPr>
+        <p:txBody>
+          <a:bodyPr vert="horz" lIns="91440" tIns="45720" rIns="91440" bIns="45720" rtlCol="0" anchor="ctr"/>
+          <a:lstStyle>
+            <a:lvl1pPr algn="r">
+              <a:defRPr sz="1600">
+                <a:solidFill>
+                  <a:schemeClr val="tx1">
+                    <a:tint val="75000"/>
+                  </a:schemeClr>
+                </a:solidFill>
+              </a:defRPr>
+            </a:lvl1pPr>
+          </a:lstStyle>
+          <a:p>
+            <a:fld id="{325BE2B7-23DB-644D-89A2-CA3C2E8FEF83}" type="slidenum">
+              <a:rPr lang="en-US" smtClean="0"/>
+              <a:pPr/>
+              <a:t>4</a:t>
+            </a:fld>
+            <a:endParaRPr lang="en-US"/>
+          </a:p>
+        </p:txBody>
+      </p:sp>
     </p:spTree>
     <p:extLst>
       <p:ext uri="{BB962C8B-B14F-4D97-AF65-F5344CB8AC3E}">
@@ -4516,7 +5154,7 @@
 </p:sld>
 </file>
 
-<file path=ppt/slides/slide6.xml><?xml version="1.0" encoding="utf-8"?>
+<file path=ppt/slides/slide5.xml><?xml version="1.0" encoding="utf-8"?>
 <p:sld xmlns:a="http://schemas.openxmlformats.org/drawingml/2006/main" xmlns:r="http://schemas.openxmlformats.org/officeDocument/2006/relationships" xmlns:p="http://schemas.openxmlformats.org/presentationml/2006/main">
   <p:cSld>
     <p:spTree>
@@ -4578,7 +5216,12 @@
             <p:ph idx="1"/>
           </p:nvPr>
         </p:nvSpPr>
-        <p:spPr/>
+        <p:spPr>
+          <a:xfrm>
+            <a:off x="190982" y="1591519"/>
+            <a:ext cx="8229600" cy="4525963"/>
+          </a:xfrm>
+        </p:spPr>
         <p:txBody>
           <a:bodyPr>
             <a:normAutofit lnSpcReduction="10000"/>
@@ -4759,10 +5402,1062 @@
           </a:p>
         </p:txBody>
       </p:sp>
+      <p:graphicFrame>
+        <p:nvGraphicFramePr>
+          <p:cNvPr id="5" name="Content Placeholder 5">
+            <a:extLst>
+              <a:ext uri="{FF2B5EF4-FFF2-40B4-BE49-F238E27FC236}">
+                <a16:creationId xmlns:a16="http://schemas.microsoft.com/office/drawing/2014/main" id="{895F4E57-6661-8899-E379-6011C7AB7FFB}"/>
+              </a:ext>
+            </a:extLst>
+          </p:cNvPr>
+          <p:cNvGraphicFramePr>
+            <a:graphicFrameLocks/>
+          </p:cNvGraphicFramePr>
+          <p:nvPr>
+            <p:extLst>
+              <p:ext uri="{D42A27DB-BD31-4B8C-83A1-F6EECF244321}">
+                <p14:modId xmlns:p14="http://schemas.microsoft.com/office/powerpoint/2010/main" val="2940967769"/>
+              </p:ext>
+            </p:extLst>
+          </p:nvPr>
+        </p:nvGraphicFramePr>
+        <p:xfrm>
+          <a:off x="6349397" y="2793039"/>
+          <a:ext cx="2453150" cy="792480"/>
+        </p:xfrm>
+        <a:graphic>
+          <a:graphicData uri="http://schemas.openxmlformats.org/drawingml/2006/table">
+            <a:tbl>
+              <a:tblPr firstRow="1" bandRow="1">
+                <a:tableStyleId>{5C22544A-7EE6-4342-B048-85BDC9FD1C3A}</a:tableStyleId>
+              </a:tblPr>
+              <a:tblGrid>
+                <a:gridCol w="490630">
+                  <a:extLst>
+                    <a:ext uri="{9D8B030D-6E8A-4147-A177-3AD203B41FA5}">
+                      <a16:colId xmlns:a16="http://schemas.microsoft.com/office/drawing/2014/main" val="700735995"/>
+                    </a:ext>
+                  </a:extLst>
+                </a:gridCol>
+                <a:gridCol w="490630">
+                  <a:extLst>
+                    <a:ext uri="{9D8B030D-6E8A-4147-A177-3AD203B41FA5}">
+                      <a16:colId xmlns:a16="http://schemas.microsoft.com/office/drawing/2014/main" val="1908259962"/>
+                    </a:ext>
+                  </a:extLst>
+                </a:gridCol>
+                <a:gridCol w="490630">
+                  <a:extLst>
+                    <a:ext uri="{9D8B030D-6E8A-4147-A177-3AD203B41FA5}">
+                      <a16:colId xmlns:a16="http://schemas.microsoft.com/office/drawing/2014/main" val="3442639361"/>
+                    </a:ext>
+                  </a:extLst>
+                </a:gridCol>
+                <a:gridCol w="490630">
+                  <a:extLst>
+                    <a:ext uri="{9D8B030D-6E8A-4147-A177-3AD203B41FA5}">
+                      <a16:colId xmlns:a16="http://schemas.microsoft.com/office/drawing/2014/main" val="1775871323"/>
+                    </a:ext>
+                  </a:extLst>
+                </a:gridCol>
+                <a:gridCol w="490630">
+                  <a:extLst>
+                    <a:ext uri="{9D8B030D-6E8A-4147-A177-3AD203B41FA5}">
+                      <a16:colId xmlns:a16="http://schemas.microsoft.com/office/drawing/2014/main" val="750707541"/>
+                    </a:ext>
+                  </a:extLst>
+                </a:gridCol>
+              </a:tblGrid>
+              <a:tr h="370840">
+                <a:tc>
+                  <a:txBody>
+                    <a:bodyPr/>
+                    <a:lstStyle/>
+                    <a:p>
+                      <a:pPr algn="ctr"/>
+                      <a:r>
+                        <a:rPr lang="en-GB" sz="2000" dirty="0"/>
+                        <a:t>0</a:t>
+                      </a:r>
+                      <a:endParaRPr lang="en-SE" sz="2000" dirty="0"/>
+                    </a:p>
+                  </a:txBody>
+                  <a:tcPr/>
+                </a:tc>
+                <a:tc>
+                  <a:txBody>
+                    <a:bodyPr/>
+                    <a:lstStyle/>
+                    <a:p>
+                      <a:pPr algn="ctr"/>
+                      <a:r>
+                        <a:rPr lang="en-GB" sz="2000" dirty="0"/>
+                        <a:t>1</a:t>
+                      </a:r>
+                      <a:endParaRPr lang="en-SE" sz="2000" dirty="0"/>
+                    </a:p>
+                  </a:txBody>
+                  <a:tcPr/>
+                </a:tc>
+                <a:tc>
+                  <a:txBody>
+                    <a:bodyPr/>
+                    <a:lstStyle/>
+                    <a:p>
+                      <a:pPr algn="ctr"/>
+                      <a:r>
+                        <a:rPr lang="en-GB" sz="2000" dirty="0"/>
+                        <a:t>2</a:t>
+                      </a:r>
+                      <a:endParaRPr lang="en-SE" sz="2000" dirty="0"/>
+                    </a:p>
+                  </a:txBody>
+                  <a:tcPr/>
+                </a:tc>
+                <a:tc>
+                  <a:txBody>
+                    <a:bodyPr/>
+                    <a:lstStyle/>
+                    <a:p>
+                      <a:pPr algn="ctr"/>
+                      <a:r>
+                        <a:rPr lang="en-GB" sz="2000" dirty="0"/>
+                        <a:t>3</a:t>
+                      </a:r>
+                      <a:endParaRPr lang="en-SE" sz="2000" dirty="0"/>
+                    </a:p>
+                  </a:txBody>
+                  <a:tcPr/>
+                </a:tc>
+                <a:tc>
+                  <a:txBody>
+                    <a:bodyPr/>
+                    <a:lstStyle/>
+                    <a:p>
+                      <a:pPr algn="ctr"/>
+                      <a:r>
+                        <a:rPr lang="en-GB" sz="2000" dirty="0"/>
+                        <a:t>4</a:t>
+                      </a:r>
+                      <a:endParaRPr lang="en-SE" sz="2000" dirty="0"/>
+                    </a:p>
+                  </a:txBody>
+                  <a:tcPr/>
+                </a:tc>
+                <a:extLst>
+                  <a:ext uri="{0D108BD9-81ED-4DB2-BD59-A6C34878D82A}">
+                    <a16:rowId xmlns:a16="http://schemas.microsoft.com/office/drawing/2014/main" val="682864112"/>
+                  </a:ext>
+                </a:extLst>
+              </a:tr>
+              <a:tr h="370840">
+                <a:tc>
+                  <a:txBody>
+                    <a:bodyPr/>
+                    <a:lstStyle/>
+                    <a:p>
+                      <a:pPr algn="ctr"/>
+                      <a:endParaRPr lang="en-SE" sz="2000" dirty="0"/>
+                    </a:p>
+                  </a:txBody>
+                  <a:tcPr/>
+                </a:tc>
+                <a:tc>
+                  <a:txBody>
+                    <a:bodyPr/>
+                    <a:lstStyle/>
+                    <a:p>
+                      <a:pPr algn="ctr"/>
+                      <a:endParaRPr lang="en-SE" sz="2000" dirty="0"/>
+                    </a:p>
+                  </a:txBody>
+                  <a:tcPr/>
+                </a:tc>
+                <a:tc>
+                  <a:txBody>
+                    <a:bodyPr/>
+                    <a:lstStyle/>
+                    <a:p>
+                      <a:pPr algn="ctr"/>
+                      <a:endParaRPr lang="en-SE" sz="2000" dirty="0"/>
+                    </a:p>
+                  </a:txBody>
+                  <a:tcPr/>
+                </a:tc>
+                <a:tc>
+                  <a:txBody>
+                    <a:bodyPr/>
+                    <a:lstStyle/>
+                    <a:p>
+                      <a:pPr algn="ctr"/>
+                      <a:endParaRPr lang="en-SE" sz="2000" dirty="0"/>
+                    </a:p>
+                  </a:txBody>
+                  <a:tcPr/>
+                </a:tc>
+                <a:tc>
+                  <a:txBody>
+                    <a:bodyPr/>
+                    <a:lstStyle/>
+                    <a:p>
+                      <a:pPr algn="ctr"/>
+                      <a:endParaRPr lang="en-SE" sz="2000" dirty="0"/>
+                    </a:p>
+                  </a:txBody>
+                  <a:tcPr/>
+                </a:tc>
+                <a:extLst>
+                  <a:ext uri="{0D108BD9-81ED-4DB2-BD59-A6C34878D82A}">
+                    <a16:rowId xmlns:a16="http://schemas.microsoft.com/office/drawing/2014/main" val="2261139520"/>
+                  </a:ext>
+                </a:extLst>
+              </a:tr>
+            </a:tbl>
+          </a:graphicData>
+        </a:graphic>
+      </p:graphicFrame>
+      <p:graphicFrame>
+        <p:nvGraphicFramePr>
+          <p:cNvPr id="6" name="Content Placeholder 5">
+            <a:extLst>
+              <a:ext uri="{FF2B5EF4-FFF2-40B4-BE49-F238E27FC236}">
+                <a16:creationId xmlns:a16="http://schemas.microsoft.com/office/drawing/2014/main" id="{C32DFF14-41FD-0A74-B816-4F0795E3E8FF}"/>
+              </a:ext>
+            </a:extLst>
+          </p:cNvPr>
+          <p:cNvGraphicFramePr>
+            <a:graphicFrameLocks/>
+          </p:cNvGraphicFramePr>
+          <p:nvPr>
+            <p:extLst>
+              <p:ext uri="{D42A27DB-BD31-4B8C-83A1-F6EECF244321}">
+                <p14:modId xmlns:p14="http://schemas.microsoft.com/office/powerpoint/2010/main" val="1200862311"/>
+              </p:ext>
+            </p:extLst>
+          </p:nvPr>
+        </p:nvGraphicFramePr>
+        <p:xfrm>
+          <a:off x="6349397" y="3736897"/>
+          <a:ext cx="2453150" cy="792480"/>
+        </p:xfrm>
+        <a:graphic>
+          <a:graphicData uri="http://schemas.openxmlformats.org/drawingml/2006/table">
+            <a:tbl>
+              <a:tblPr firstRow="1" bandRow="1">
+                <a:tableStyleId>{5C22544A-7EE6-4342-B048-85BDC9FD1C3A}</a:tableStyleId>
+              </a:tblPr>
+              <a:tblGrid>
+                <a:gridCol w="490630">
+                  <a:extLst>
+                    <a:ext uri="{9D8B030D-6E8A-4147-A177-3AD203B41FA5}">
+                      <a16:colId xmlns:a16="http://schemas.microsoft.com/office/drawing/2014/main" val="700735995"/>
+                    </a:ext>
+                  </a:extLst>
+                </a:gridCol>
+                <a:gridCol w="490630">
+                  <a:extLst>
+                    <a:ext uri="{9D8B030D-6E8A-4147-A177-3AD203B41FA5}">
+                      <a16:colId xmlns:a16="http://schemas.microsoft.com/office/drawing/2014/main" val="1908259962"/>
+                    </a:ext>
+                  </a:extLst>
+                </a:gridCol>
+                <a:gridCol w="490630">
+                  <a:extLst>
+                    <a:ext uri="{9D8B030D-6E8A-4147-A177-3AD203B41FA5}">
+                      <a16:colId xmlns:a16="http://schemas.microsoft.com/office/drawing/2014/main" val="3442639361"/>
+                    </a:ext>
+                  </a:extLst>
+                </a:gridCol>
+                <a:gridCol w="490630">
+                  <a:extLst>
+                    <a:ext uri="{9D8B030D-6E8A-4147-A177-3AD203B41FA5}">
+                      <a16:colId xmlns:a16="http://schemas.microsoft.com/office/drawing/2014/main" val="1775871323"/>
+                    </a:ext>
+                  </a:extLst>
+                </a:gridCol>
+                <a:gridCol w="490630">
+                  <a:extLst>
+                    <a:ext uri="{9D8B030D-6E8A-4147-A177-3AD203B41FA5}">
+                      <a16:colId xmlns:a16="http://schemas.microsoft.com/office/drawing/2014/main" val="750707541"/>
+                    </a:ext>
+                  </a:extLst>
+                </a:gridCol>
+              </a:tblGrid>
+              <a:tr h="370840">
+                <a:tc>
+                  <a:txBody>
+                    <a:bodyPr/>
+                    <a:lstStyle/>
+                    <a:p>
+                      <a:pPr algn="ctr"/>
+                      <a:r>
+                        <a:rPr lang="en-GB" sz="2000" dirty="0"/>
+                        <a:t>0</a:t>
+                      </a:r>
+                      <a:endParaRPr lang="en-SE" sz="2000" dirty="0"/>
+                    </a:p>
+                  </a:txBody>
+                  <a:tcPr/>
+                </a:tc>
+                <a:tc>
+                  <a:txBody>
+                    <a:bodyPr/>
+                    <a:lstStyle/>
+                    <a:p>
+                      <a:pPr algn="ctr"/>
+                      <a:r>
+                        <a:rPr lang="en-GB" sz="2000" dirty="0"/>
+                        <a:t>1</a:t>
+                      </a:r>
+                      <a:endParaRPr lang="en-SE" sz="2000" dirty="0"/>
+                    </a:p>
+                  </a:txBody>
+                  <a:tcPr/>
+                </a:tc>
+                <a:tc>
+                  <a:txBody>
+                    <a:bodyPr/>
+                    <a:lstStyle/>
+                    <a:p>
+                      <a:pPr algn="ctr"/>
+                      <a:r>
+                        <a:rPr lang="en-GB" sz="2000" dirty="0"/>
+                        <a:t>2</a:t>
+                      </a:r>
+                      <a:endParaRPr lang="en-SE" sz="2000" dirty="0"/>
+                    </a:p>
+                  </a:txBody>
+                  <a:tcPr/>
+                </a:tc>
+                <a:tc>
+                  <a:txBody>
+                    <a:bodyPr/>
+                    <a:lstStyle/>
+                    <a:p>
+                      <a:pPr algn="ctr"/>
+                      <a:r>
+                        <a:rPr lang="en-GB" sz="2000" dirty="0"/>
+                        <a:t>3</a:t>
+                      </a:r>
+                      <a:endParaRPr lang="en-SE" sz="2000" dirty="0"/>
+                    </a:p>
+                  </a:txBody>
+                  <a:tcPr/>
+                </a:tc>
+                <a:tc>
+                  <a:txBody>
+                    <a:bodyPr/>
+                    <a:lstStyle/>
+                    <a:p>
+                      <a:pPr algn="ctr"/>
+                      <a:r>
+                        <a:rPr lang="en-GB" sz="2000" dirty="0"/>
+                        <a:t>4</a:t>
+                      </a:r>
+                      <a:endParaRPr lang="en-SE" sz="2000" dirty="0"/>
+                    </a:p>
+                  </a:txBody>
+                  <a:tcPr/>
+                </a:tc>
+                <a:extLst>
+                  <a:ext uri="{0D108BD9-81ED-4DB2-BD59-A6C34878D82A}">
+                    <a16:rowId xmlns:a16="http://schemas.microsoft.com/office/drawing/2014/main" val="682864112"/>
+                  </a:ext>
+                </a:extLst>
+              </a:tr>
+              <a:tr h="370840">
+                <a:tc>
+                  <a:txBody>
+                    <a:bodyPr/>
+                    <a:lstStyle/>
+                    <a:p>
+                      <a:pPr algn="ctr"/>
+                      <a:endParaRPr lang="en-SE" sz="2000" dirty="0"/>
+                    </a:p>
+                  </a:txBody>
+                  <a:tcPr/>
+                </a:tc>
+                <a:tc>
+                  <a:txBody>
+                    <a:bodyPr/>
+                    <a:lstStyle/>
+                    <a:p>
+                      <a:pPr algn="ctr"/>
+                      <a:endParaRPr lang="en-SE" sz="2000" dirty="0"/>
+                    </a:p>
+                  </a:txBody>
+                  <a:tcPr/>
+                </a:tc>
+                <a:tc>
+                  <a:txBody>
+                    <a:bodyPr/>
+                    <a:lstStyle/>
+                    <a:p>
+                      <a:pPr algn="ctr"/>
+                      <a:endParaRPr lang="en-SE" sz="2000" dirty="0"/>
+                    </a:p>
+                  </a:txBody>
+                  <a:tcPr/>
+                </a:tc>
+                <a:tc>
+                  <a:txBody>
+                    <a:bodyPr/>
+                    <a:lstStyle/>
+                    <a:p>
+                      <a:pPr algn="ctr"/>
+                      <a:endParaRPr lang="en-SE" sz="2000" dirty="0"/>
+                    </a:p>
+                  </a:txBody>
+                  <a:tcPr/>
+                </a:tc>
+                <a:tc>
+                  <a:txBody>
+                    <a:bodyPr/>
+                    <a:lstStyle/>
+                    <a:p>
+                      <a:pPr algn="ctr"/>
+                      <a:endParaRPr lang="en-SE" sz="2000" dirty="0"/>
+                    </a:p>
+                  </a:txBody>
+                  <a:tcPr/>
+                </a:tc>
+                <a:extLst>
+                  <a:ext uri="{0D108BD9-81ED-4DB2-BD59-A6C34878D82A}">
+                    <a16:rowId xmlns:a16="http://schemas.microsoft.com/office/drawing/2014/main" val="2261139520"/>
+                  </a:ext>
+                </a:extLst>
+              </a:tr>
+            </a:tbl>
+          </a:graphicData>
+        </a:graphic>
+      </p:graphicFrame>
+      <p:graphicFrame>
+        <p:nvGraphicFramePr>
+          <p:cNvPr id="7" name="Content Placeholder 5">
+            <a:extLst>
+              <a:ext uri="{FF2B5EF4-FFF2-40B4-BE49-F238E27FC236}">
+                <a16:creationId xmlns:a16="http://schemas.microsoft.com/office/drawing/2014/main" id="{693E7A8E-2B9D-61D2-BC6F-83F18E454008}"/>
+              </a:ext>
+            </a:extLst>
+          </p:cNvPr>
+          <p:cNvGraphicFramePr>
+            <a:graphicFrameLocks/>
+          </p:cNvGraphicFramePr>
+          <p:nvPr>
+            <p:extLst>
+              <p:ext uri="{D42A27DB-BD31-4B8C-83A1-F6EECF244321}">
+                <p14:modId xmlns:p14="http://schemas.microsoft.com/office/powerpoint/2010/main" val="3616466231"/>
+              </p:ext>
+            </p:extLst>
+          </p:nvPr>
+        </p:nvGraphicFramePr>
+        <p:xfrm>
+          <a:off x="6349397" y="4718248"/>
+          <a:ext cx="2453150" cy="792480"/>
+        </p:xfrm>
+        <a:graphic>
+          <a:graphicData uri="http://schemas.openxmlformats.org/drawingml/2006/table">
+            <a:tbl>
+              <a:tblPr firstRow="1" bandRow="1">
+                <a:tableStyleId>{5C22544A-7EE6-4342-B048-85BDC9FD1C3A}</a:tableStyleId>
+              </a:tblPr>
+              <a:tblGrid>
+                <a:gridCol w="490630">
+                  <a:extLst>
+                    <a:ext uri="{9D8B030D-6E8A-4147-A177-3AD203B41FA5}">
+                      <a16:colId xmlns:a16="http://schemas.microsoft.com/office/drawing/2014/main" val="700735995"/>
+                    </a:ext>
+                  </a:extLst>
+                </a:gridCol>
+                <a:gridCol w="490630">
+                  <a:extLst>
+                    <a:ext uri="{9D8B030D-6E8A-4147-A177-3AD203B41FA5}">
+                      <a16:colId xmlns:a16="http://schemas.microsoft.com/office/drawing/2014/main" val="1908259962"/>
+                    </a:ext>
+                  </a:extLst>
+                </a:gridCol>
+                <a:gridCol w="490630">
+                  <a:extLst>
+                    <a:ext uri="{9D8B030D-6E8A-4147-A177-3AD203B41FA5}">
+                      <a16:colId xmlns:a16="http://schemas.microsoft.com/office/drawing/2014/main" val="3442639361"/>
+                    </a:ext>
+                  </a:extLst>
+                </a:gridCol>
+                <a:gridCol w="490630">
+                  <a:extLst>
+                    <a:ext uri="{9D8B030D-6E8A-4147-A177-3AD203B41FA5}">
+                      <a16:colId xmlns:a16="http://schemas.microsoft.com/office/drawing/2014/main" val="1775871323"/>
+                    </a:ext>
+                  </a:extLst>
+                </a:gridCol>
+                <a:gridCol w="490630">
+                  <a:extLst>
+                    <a:ext uri="{9D8B030D-6E8A-4147-A177-3AD203B41FA5}">
+                      <a16:colId xmlns:a16="http://schemas.microsoft.com/office/drawing/2014/main" val="750707541"/>
+                    </a:ext>
+                  </a:extLst>
+                </a:gridCol>
+              </a:tblGrid>
+              <a:tr h="370840">
+                <a:tc>
+                  <a:txBody>
+                    <a:bodyPr/>
+                    <a:lstStyle/>
+                    <a:p>
+                      <a:pPr algn="ctr"/>
+                      <a:r>
+                        <a:rPr lang="en-GB" sz="2000" dirty="0"/>
+                        <a:t>0</a:t>
+                      </a:r>
+                      <a:endParaRPr lang="en-SE" sz="2000" dirty="0"/>
+                    </a:p>
+                  </a:txBody>
+                  <a:tcPr/>
+                </a:tc>
+                <a:tc>
+                  <a:txBody>
+                    <a:bodyPr/>
+                    <a:lstStyle/>
+                    <a:p>
+                      <a:pPr algn="ctr"/>
+                      <a:r>
+                        <a:rPr lang="en-GB" sz="2000" dirty="0"/>
+                        <a:t>1</a:t>
+                      </a:r>
+                      <a:endParaRPr lang="en-SE" sz="2000" dirty="0"/>
+                    </a:p>
+                  </a:txBody>
+                  <a:tcPr/>
+                </a:tc>
+                <a:tc>
+                  <a:txBody>
+                    <a:bodyPr/>
+                    <a:lstStyle/>
+                    <a:p>
+                      <a:pPr algn="ctr"/>
+                      <a:r>
+                        <a:rPr lang="en-GB" sz="2000" dirty="0"/>
+                        <a:t>2</a:t>
+                      </a:r>
+                      <a:endParaRPr lang="en-SE" sz="2000" dirty="0"/>
+                    </a:p>
+                  </a:txBody>
+                  <a:tcPr/>
+                </a:tc>
+                <a:tc>
+                  <a:txBody>
+                    <a:bodyPr/>
+                    <a:lstStyle/>
+                    <a:p>
+                      <a:pPr algn="ctr"/>
+                      <a:r>
+                        <a:rPr lang="en-GB" sz="2000" dirty="0"/>
+                        <a:t>3</a:t>
+                      </a:r>
+                      <a:endParaRPr lang="en-SE" sz="2000" dirty="0"/>
+                    </a:p>
+                  </a:txBody>
+                  <a:tcPr/>
+                </a:tc>
+                <a:tc>
+                  <a:txBody>
+                    <a:bodyPr/>
+                    <a:lstStyle/>
+                    <a:p>
+                      <a:pPr algn="ctr"/>
+                      <a:r>
+                        <a:rPr lang="en-GB" sz="2000" dirty="0"/>
+                        <a:t>4</a:t>
+                      </a:r>
+                      <a:endParaRPr lang="en-SE" sz="2000" dirty="0"/>
+                    </a:p>
+                  </a:txBody>
+                  <a:tcPr/>
+                </a:tc>
+                <a:extLst>
+                  <a:ext uri="{0D108BD9-81ED-4DB2-BD59-A6C34878D82A}">
+                    <a16:rowId xmlns:a16="http://schemas.microsoft.com/office/drawing/2014/main" val="682864112"/>
+                  </a:ext>
+                </a:extLst>
+              </a:tr>
+              <a:tr h="370840">
+                <a:tc>
+                  <a:txBody>
+                    <a:bodyPr/>
+                    <a:lstStyle/>
+                    <a:p>
+                      <a:pPr algn="ctr"/>
+                      <a:endParaRPr lang="en-SE" sz="2000" dirty="0"/>
+                    </a:p>
+                  </a:txBody>
+                  <a:tcPr/>
+                </a:tc>
+                <a:tc>
+                  <a:txBody>
+                    <a:bodyPr/>
+                    <a:lstStyle/>
+                    <a:p>
+                      <a:pPr algn="ctr"/>
+                      <a:endParaRPr lang="en-SE" sz="2000" dirty="0"/>
+                    </a:p>
+                  </a:txBody>
+                  <a:tcPr/>
+                </a:tc>
+                <a:tc>
+                  <a:txBody>
+                    <a:bodyPr/>
+                    <a:lstStyle/>
+                    <a:p>
+                      <a:pPr algn="ctr"/>
+                      <a:endParaRPr lang="en-SE" sz="2000" dirty="0"/>
+                    </a:p>
+                  </a:txBody>
+                  <a:tcPr/>
+                </a:tc>
+                <a:tc>
+                  <a:txBody>
+                    <a:bodyPr/>
+                    <a:lstStyle/>
+                    <a:p>
+                      <a:pPr algn="ctr"/>
+                      <a:endParaRPr lang="en-SE" sz="2000" dirty="0"/>
+                    </a:p>
+                  </a:txBody>
+                  <a:tcPr/>
+                </a:tc>
+                <a:tc>
+                  <a:txBody>
+                    <a:bodyPr/>
+                    <a:lstStyle/>
+                    <a:p>
+                      <a:pPr algn="ctr"/>
+                      <a:endParaRPr lang="en-SE" sz="2000" dirty="0"/>
+                    </a:p>
+                  </a:txBody>
+                  <a:tcPr/>
+                </a:tc>
+                <a:extLst>
+                  <a:ext uri="{0D108BD9-81ED-4DB2-BD59-A6C34878D82A}">
+                    <a16:rowId xmlns:a16="http://schemas.microsoft.com/office/drawing/2014/main" val="2261139520"/>
+                  </a:ext>
+                </a:extLst>
+              </a:tr>
+            </a:tbl>
+          </a:graphicData>
+        </a:graphic>
+      </p:graphicFrame>
+      <p:graphicFrame>
+        <p:nvGraphicFramePr>
+          <p:cNvPr id="8" name="Content Placeholder 5">
+            <a:extLst>
+              <a:ext uri="{FF2B5EF4-FFF2-40B4-BE49-F238E27FC236}">
+                <a16:creationId xmlns:a16="http://schemas.microsoft.com/office/drawing/2014/main" id="{49C4F602-3BB7-C93E-2C38-0A584768BA34}"/>
+              </a:ext>
+            </a:extLst>
+          </p:cNvPr>
+          <p:cNvGraphicFramePr>
+            <a:graphicFrameLocks/>
+          </p:cNvGraphicFramePr>
+          <p:nvPr>
+            <p:extLst>
+              <p:ext uri="{D42A27DB-BD31-4B8C-83A1-F6EECF244321}">
+                <p14:modId xmlns:p14="http://schemas.microsoft.com/office/powerpoint/2010/main" val="1664580676"/>
+              </p:ext>
+            </p:extLst>
+          </p:nvPr>
+        </p:nvGraphicFramePr>
+        <p:xfrm>
+          <a:off x="6349397" y="5641401"/>
+          <a:ext cx="2453150" cy="792480"/>
+        </p:xfrm>
+        <a:graphic>
+          <a:graphicData uri="http://schemas.openxmlformats.org/drawingml/2006/table">
+            <a:tbl>
+              <a:tblPr firstRow="1" bandRow="1">
+                <a:tableStyleId>{5C22544A-7EE6-4342-B048-85BDC9FD1C3A}</a:tableStyleId>
+              </a:tblPr>
+              <a:tblGrid>
+                <a:gridCol w="490630">
+                  <a:extLst>
+                    <a:ext uri="{9D8B030D-6E8A-4147-A177-3AD203B41FA5}">
+                      <a16:colId xmlns:a16="http://schemas.microsoft.com/office/drawing/2014/main" val="700735995"/>
+                    </a:ext>
+                  </a:extLst>
+                </a:gridCol>
+                <a:gridCol w="490630">
+                  <a:extLst>
+                    <a:ext uri="{9D8B030D-6E8A-4147-A177-3AD203B41FA5}">
+                      <a16:colId xmlns:a16="http://schemas.microsoft.com/office/drawing/2014/main" val="1908259962"/>
+                    </a:ext>
+                  </a:extLst>
+                </a:gridCol>
+                <a:gridCol w="490630">
+                  <a:extLst>
+                    <a:ext uri="{9D8B030D-6E8A-4147-A177-3AD203B41FA5}">
+                      <a16:colId xmlns:a16="http://schemas.microsoft.com/office/drawing/2014/main" val="3442639361"/>
+                    </a:ext>
+                  </a:extLst>
+                </a:gridCol>
+                <a:gridCol w="490630">
+                  <a:extLst>
+                    <a:ext uri="{9D8B030D-6E8A-4147-A177-3AD203B41FA5}">
+                      <a16:colId xmlns:a16="http://schemas.microsoft.com/office/drawing/2014/main" val="1775871323"/>
+                    </a:ext>
+                  </a:extLst>
+                </a:gridCol>
+                <a:gridCol w="490630">
+                  <a:extLst>
+                    <a:ext uri="{9D8B030D-6E8A-4147-A177-3AD203B41FA5}">
+                      <a16:colId xmlns:a16="http://schemas.microsoft.com/office/drawing/2014/main" val="750707541"/>
+                    </a:ext>
+                  </a:extLst>
+                </a:gridCol>
+              </a:tblGrid>
+              <a:tr h="370840">
+                <a:tc>
+                  <a:txBody>
+                    <a:bodyPr/>
+                    <a:lstStyle/>
+                    <a:p>
+                      <a:pPr algn="ctr"/>
+                      <a:r>
+                        <a:rPr lang="en-GB" sz="2000" dirty="0"/>
+                        <a:t>0</a:t>
+                      </a:r>
+                      <a:endParaRPr lang="en-SE" sz="2000" dirty="0"/>
+                    </a:p>
+                  </a:txBody>
+                  <a:tcPr/>
+                </a:tc>
+                <a:tc>
+                  <a:txBody>
+                    <a:bodyPr/>
+                    <a:lstStyle/>
+                    <a:p>
+                      <a:pPr algn="ctr"/>
+                      <a:r>
+                        <a:rPr lang="en-GB" sz="2000" dirty="0"/>
+                        <a:t>1</a:t>
+                      </a:r>
+                      <a:endParaRPr lang="en-SE" sz="2000" dirty="0"/>
+                    </a:p>
+                  </a:txBody>
+                  <a:tcPr/>
+                </a:tc>
+                <a:tc>
+                  <a:txBody>
+                    <a:bodyPr/>
+                    <a:lstStyle/>
+                    <a:p>
+                      <a:pPr algn="ctr"/>
+                      <a:r>
+                        <a:rPr lang="en-GB" sz="2000" dirty="0"/>
+                        <a:t>2</a:t>
+                      </a:r>
+                      <a:endParaRPr lang="en-SE" sz="2000" dirty="0"/>
+                    </a:p>
+                  </a:txBody>
+                  <a:tcPr/>
+                </a:tc>
+                <a:tc>
+                  <a:txBody>
+                    <a:bodyPr/>
+                    <a:lstStyle/>
+                    <a:p>
+                      <a:pPr algn="ctr"/>
+                      <a:r>
+                        <a:rPr lang="en-GB" sz="2000" dirty="0"/>
+                        <a:t>3</a:t>
+                      </a:r>
+                      <a:endParaRPr lang="en-SE" sz="2000" dirty="0"/>
+                    </a:p>
+                  </a:txBody>
+                  <a:tcPr/>
+                </a:tc>
+                <a:tc>
+                  <a:txBody>
+                    <a:bodyPr/>
+                    <a:lstStyle/>
+                    <a:p>
+                      <a:pPr algn="ctr"/>
+                      <a:r>
+                        <a:rPr lang="en-GB" sz="2000" dirty="0"/>
+                        <a:t>4</a:t>
+                      </a:r>
+                      <a:endParaRPr lang="en-SE" sz="2000" dirty="0"/>
+                    </a:p>
+                  </a:txBody>
+                  <a:tcPr/>
+                </a:tc>
+                <a:extLst>
+                  <a:ext uri="{0D108BD9-81ED-4DB2-BD59-A6C34878D82A}">
+                    <a16:rowId xmlns:a16="http://schemas.microsoft.com/office/drawing/2014/main" val="682864112"/>
+                  </a:ext>
+                </a:extLst>
+              </a:tr>
+              <a:tr h="370840">
+                <a:tc>
+                  <a:txBody>
+                    <a:bodyPr/>
+                    <a:lstStyle/>
+                    <a:p>
+                      <a:pPr algn="ctr"/>
+                      <a:endParaRPr lang="en-SE" sz="2000" dirty="0"/>
+                    </a:p>
+                  </a:txBody>
+                  <a:tcPr/>
+                </a:tc>
+                <a:tc>
+                  <a:txBody>
+                    <a:bodyPr/>
+                    <a:lstStyle/>
+                    <a:p>
+                      <a:pPr algn="ctr"/>
+                      <a:endParaRPr lang="en-SE" sz="2000" dirty="0"/>
+                    </a:p>
+                  </a:txBody>
+                  <a:tcPr/>
+                </a:tc>
+                <a:tc>
+                  <a:txBody>
+                    <a:bodyPr/>
+                    <a:lstStyle/>
+                    <a:p>
+                      <a:pPr algn="ctr"/>
+                      <a:endParaRPr lang="en-SE" sz="2000" dirty="0"/>
+                    </a:p>
+                  </a:txBody>
+                  <a:tcPr/>
+                </a:tc>
+                <a:tc>
+                  <a:txBody>
+                    <a:bodyPr/>
+                    <a:lstStyle/>
+                    <a:p>
+                      <a:pPr algn="ctr"/>
+                      <a:endParaRPr lang="en-SE" sz="2000" dirty="0"/>
+                    </a:p>
+                  </a:txBody>
+                  <a:tcPr/>
+                </a:tc>
+                <a:tc>
+                  <a:txBody>
+                    <a:bodyPr/>
+                    <a:lstStyle/>
+                    <a:p>
+                      <a:pPr algn="ctr"/>
+                      <a:endParaRPr lang="en-SE" sz="2000" dirty="0"/>
+                    </a:p>
+                  </a:txBody>
+                  <a:tcPr/>
+                </a:tc>
+                <a:extLst>
+                  <a:ext uri="{0D108BD9-81ED-4DB2-BD59-A6C34878D82A}">
+                    <a16:rowId xmlns:a16="http://schemas.microsoft.com/office/drawing/2014/main" val="2261139520"/>
+                  </a:ext>
+                </a:extLst>
+              </a:tr>
+            </a:tbl>
+          </a:graphicData>
+        </a:graphic>
+      </p:graphicFrame>
+      <p:sp>
+        <p:nvSpPr>
+          <p:cNvPr id="9" name="TextBox 8">
+            <a:extLst>
+              <a:ext uri="{FF2B5EF4-FFF2-40B4-BE49-F238E27FC236}">
+                <a16:creationId xmlns:a16="http://schemas.microsoft.com/office/drawing/2014/main" id="{05D3FB28-D89D-93C2-D36A-747DB8C45386}"/>
+              </a:ext>
+            </a:extLst>
+          </p:cNvPr>
+          <p:cNvSpPr txBox="1"/>
+          <p:nvPr/>
+        </p:nvSpPr>
+        <p:spPr>
+          <a:xfrm>
+            <a:off x="5946261" y="2958446"/>
+            <a:ext cx="340158" cy="461665"/>
+          </a:xfrm>
+          <a:prstGeom prst="rect">
+            <a:avLst/>
+          </a:prstGeom>
+          <a:noFill/>
+        </p:spPr>
+        <p:txBody>
+          <a:bodyPr wrap="none" rtlCol="0">
+            <a:spAutoFit/>
+          </a:bodyPr>
+          <a:lstStyle/>
+          <a:p>
+            <a:r>
+              <a:rPr lang="en-US" sz="2400" dirty="0"/>
+              <a:t>1</a:t>
+            </a:r>
+            <a:endParaRPr lang="en-SE" sz="2400" dirty="0"/>
+          </a:p>
+        </p:txBody>
+      </p:sp>
+      <p:sp>
+        <p:nvSpPr>
+          <p:cNvPr id="10" name="TextBox 9">
+            <a:extLst>
+              <a:ext uri="{FF2B5EF4-FFF2-40B4-BE49-F238E27FC236}">
+                <a16:creationId xmlns:a16="http://schemas.microsoft.com/office/drawing/2014/main" id="{636F8F6F-C6D2-8350-21E0-682B6E110E8E}"/>
+              </a:ext>
+            </a:extLst>
+          </p:cNvPr>
+          <p:cNvSpPr txBox="1"/>
+          <p:nvPr/>
+        </p:nvSpPr>
+        <p:spPr>
+          <a:xfrm>
+            <a:off x="5946261" y="3854500"/>
+            <a:ext cx="340158" cy="461665"/>
+          </a:xfrm>
+          <a:prstGeom prst="rect">
+            <a:avLst/>
+          </a:prstGeom>
+          <a:noFill/>
+        </p:spPr>
+        <p:txBody>
+          <a:bodyPr wrap="none" rtlCol="0">
+            <a:spAutoFit/>
+          </a:bodyPr>
+          <a:lstStyle/>
+          <a:p>
+            <a:r>
+              <a:rPr lang="en-US" sz="2400" dirty="0"/>
+              <a:t>2</a:t>
+            </a:r>
+            <a:endParaRPr lang="en-SE" sz="2400" dirty="0"/>
+          </a:p>
+        </p:txBody>
+      </p:sp>
+      <p:sp>
+        <p:nvSpPr>
+          <p:cNvPr id="11" name="TextBox 10">
+            <a:extLst>
+              <a:ext uri="{FF2B5EF4-FFF2-40B4-BE49-F238E27FC236}">
+                <a16:creationId xmlns:a16="http://schemas.microsoft.com/office/drawing/2014/main" id="{FA6863C4-72F2-3FBC-5BA8-4D6A1A4353C9}"/>
+              </a:ext>
+            </a:extLst>
+          </p:cNvPr>
+          <p:cNvSpPr txBox="1"/>
+          <p:nvPr/>
+        </p:nvSpPr>
+        <p:spPr>
+          <a:xfrm>
+            <a:off x="5946261" y="4828096"/>
+            <a:ext cx="340158" cy="461665"/>
+          </a:xfrm>
+          <a:prstGeom prst="rect">
+            <a:avLst/>
+          </a:prstGeom>
+          <a:noFill/>
+        </p:spPr>
+        <p:txBody>
+          <a:bodyPr wrap="none" rtlCol="0">
+            <a:spAutoFit/>
+          </a:bodyPr>
+          <a:lstStyle/>
+          <a:p>
+            <a:r>
+              <a:rPr lang="en-US" sz="2400" dirty="0"/>
+              <a:t>3</a:t>
+            </a:r>
+            <a:endParaRPr lang="en-SE" sz="2400" dirty="0"/>
+          </a:p>
+        </p:txBody>
+      </p:sp>
+      <p:sp>
+        <p:nvSpPr>
+          <p:cNvPr id="12" name="TextBox 11">
+            <a:extLst>
+              <a:ext uri="{FF2B5EF4-FFF2-40B4-BE49-F238E27FC236}">
+                <a16:creationId xmlns:a16="http://schemas.microsoft.com/office/drawing/2014/main" id="{27B8DF59-74EE-F308-393E-B99AE01C113A}"/>
+              </a:ext>
+            </a:extLst>
+          </p:cNvPr>
+          <p:cNvSpPr txBox="1"/>
+          <p:nvPr/>
+        </p:nvSpPr>
+        <p:spPr>
+          <a:xfrm>
+            <a:off x="5946261" y="5814016"/>
+            <a:ext cx="340158" cy="461665"/>
+          </a:xfrm>
+          <a:prstGeom prst="rect">
+            <a:avLst/>
+          </a:prstGeom>
+          <a:noFill/>
+        </p:spPr>
+        <p:txBody>
+          <a:bodyPr wrap="none" rtlCol="0">
+            <a:spAutoFit/>
+          </a:bodyPr>
+          <a:lstStyle/>
+          <a:p>
+            <a:r>
+              <a:rPr lang="en-US" sz="2400" dirty="0"/>
+              <a:t>4</a:t>
+            </a:r>
+            <a:endParaRPr lang="en-SE" sz="2400" dirty="0"/>
+          </a:p>
+        </p:txBody>
+      </p:sp>
+      <p:sp>
+        <p:nvSpPr>
+          <p:cNvPr id="13" name="Slide Number Placeholder 5">
+            <a:extLst>
+              <a:ext uri="{FF2B5EF4-FFF2-40B4-BE49-F238E27FC236}">
+                <a16:creationId xmlns:a16="http://schemas.microsoft.com/office/drawing/2014/main" id="{79569855-24CD-1018-8ADC-8E6194F7FC97}"/>
+              </a:ext>
+            </a:extLst>
+          </p:cNvPr>
+          <p:cNvSpPr>
+            <a:spLocks noGrp="1"/>
+          </p:cNvSpPr>
+          <p:nvPr>
+            <p:ph type="sldNum" sz="quarter" idx="4"/>
+          </p:nvPr>
+        </p:nvSpPr>
+        <p:spPr>
+          <a:xfrm>
+            <a:off x="8571344" y="6492875"/>
+            <a:ext cx="572655" cy="365125"/>
+          </a:xfrm>
+          <a:prstGeom prst="rect">
+            <a:avLst/>
+          </a:prstGeom>
+        </p:spPr>
+        <p:txBody>
+          <a:bodyPr vert="horz" lIns="91440" tIns="45720" rIns="91440" bIns="45720" rtlCol="0" anchor="ctr"/>
+          <a:lstStyle>
+            <a:lvl1pPr algn="r">
+              <a:defRPr sz="1600">
+                <a:solidFill>
+                  <a:schemeClr val="tx1">
+                    <a:tint val="75000"/>
+                  </a:schemeClr>
+                </a:solidFill>
+              </a:defRPr>
+            </a:lvl1pPr>
+          </a:lstStyle>
+          <a:p>
+            <a:fld id="{325BE2B7-23DB-644D-89A2-CA3C2E8FEF83}" type="slidenum">
+              <a:rPr lang="en-US" smtClean="0"/>
+              <a:pPr/>
+              <a:t>5</a:t>
+            </a:fld>
+            <a:endParaRPr lang="en-US"/>
+          </a:p>
+        </p:txBody>
+      </p:sp>
     </p:spTree>
     <p:extLst>
       <p:ext uri="{BB962C8B-B14F-4D97-AF65-F5344CB8AC3E}">
-        <p14:creationId xmlns:p14="http://schemas.microsoft.com/office/powerpoint/2010/main" val="3292806169"/>
+        <p14:creationId xmlns:p14="http://schemas.microsoft.com/office/powerpoint/2010/main" val="388619187"/>
       </p:ext>
     </p:extLst>
   </p:cSld>
